--- a/RISC-V Tutorial.pptx
+++ b/RISC-V Tutorial.pptx
@@ -22,6 +22,15 @@
     <p:sldId id="270" r:id="rId16"/>
     <p:sldId id="271" r:id="rId17"/>
     <p:sldId id="272" r:id="rId18"/>
+    <p:sldId id="273" r:id="rId19"/>
+    <p:sldId id="274" r:id="rId20"/>
+    <p:sldId id="275" r:id="rId21"/>
+    <p:sldId id="276" r:id="rId22"/>
+    <p:sldId id="277" r:id="rId23"/>
+    <p:sldId id="278" r:id="rId24"/>
+    <p:sldId id="279" r:id="rId25"/>
+    <p:sldId id="280" r:id="rId26"/>
+    <p:sldId id="281" r:id="rId27"/>
   </p:sldIdLst>
   <p:sldSz cx="12192000" cy="6858000"/>
   <p:notesSz cx="6858000" cy="9144000"/>
@@ -131,7 +140,7 @@
 <file path=ppt/revisionInfo.xml><?xml version="1.0" encoding="utf-8"?>
 <p1510:revInfo xmlns:a="http://schemas.openxmlformats.org/drawingml/2006/main" xmlns:r="http://schemas.openxmlformats.org/officeDocument/2006/relationships" xmlns:p1510="http://schemas.microsoft.com/office/powerpoint/2015/10/main">
   <p1510:revLst>
-    <p1510:client id="{7A91DF83-BBCE-4B84-91B0-8CDFA84504BA}" v="21" dt="2022-09-14T22:31:11.501"/>
+    <p1510:client id="{7A91DF83-BBCE-4B84-91B0-8CDFA84504BA}" v="128" dt="2022-09-29T16:56:28.424"/>
   </p1510:revLst>
 </p1510:revInfo>
 </file>
@@ -140,19 +149,19 @@
 <pc:chgInfo xmlns:a="http://schemas.openxmlformats.org/drawingml/2006/main" xmlns:r="http://schemas.openxmlformats.org/officeDocument/2006/relationships" xmlns:ac="http://schemas.microsoft.com/office/drawing/2013/main/command" xmlns:pc="http://schemas.microsoft.com/office/powerpoint/2013/main/command">
   <pc:docChgLst>
     <pc:chgData name="Zhang, Zhiming" userId="3c9d1221-ac5f-4fde-9a6d-56e20c8fdb89" providerId="ADAL" clId="{C7A4A118-B957-4853-846D-185EA2464561}"/>
-    <pc:docChg chg="undo custSel addSld modSld">
-      <pc:chgData name="Zhang, Zhiming" userId="3c9d1221-ac5f-4fde-9a6d-56e20c8fdb89" providerId="ADAL" clId="{C7A4A118-B957-4853-846D-185EA2464561}" dt="2022-09-13T16:39:35.900" v="3207" actId="1076"/>
+    <pc:docChg chg="undo custSel addSld delSld modSld">
+      <pc:chgData name="Zhang, Zhiming" userId="3c9d1221-ac5f-4fde-9a6d-56e20c8fdb89" providerId="ADAL" clId="{C7A4A118-B957-4853-846D-185EA2464561}" dt="2022-09-22T17:17:47.660" v="6783" actId="20577"/>
       <pc:docMkLst>
         <pc:docMk/>
       </pc:docMkLst>
       <pc:sldChg chg="modSp mod">
-        <pc:chgData name="Zhang, Zhiming" userId="3c9d1221-ac5f-4fde-9a6d-56e20c8fdb89" providerId="ADAL" clId="{C7A4A118-B957-4853-846D-185EA2464561}" dt="2022-09-13T16:00:03.234" v="2190" actId="20577"/>
+        <pc:chgData name="Zhang, Zhiming" userId="3c9d1221-ac5f-4fde-9a6d-56e20c8fdb89" providerId="ADAL" clId="{C7A4A118-B957-4853-846D-185EA2464561}" dt="2022-09-22T17:17:47.660" v="6783" actId="20577"/>
         <pc:sldMkLst>
           <pc:docMk/>
           <pc:sldMk cId="2758905908" sldId="257"/>
         </pc:sldMkLst>
         <pc:spChg chg="mod">
-          <ac:chgData name="Zhang, Zhiming" userId="3c9d1221-ac5f-4fde-9a6d-56e20c8fdb89" providerId="ADAL" clId="{C7A4A118-B957-4853-846D-185EA2464561}" dt="2022-09-13T16:00:03.234" v="2190" actId="20577"/>
+          <ac:chgData name="Zhang, Zhiming" userId="3c9d1221-ac5f-4fde-9a6d-56e20c8fdb89" providerId="ADAL" clId="{C7A4A118-B957-4853-846D-185EA2464561}" dt="2022-09-22T17:17:47.660" v="6783" actId="20577"/>
           <ac:spMkLst>
             <pc:docMk/>
             <pc:sldMk cId="2758905908" sldId="257"/>
@@ -665,12 +674,300 @@
           </ac:picMkLst>
         </pc:picChg>
       </pc:sldChg>
+      <pc:sldChg chg="addSp modSp new mod">
+        <pc:chgData name="Zhang, Zhiming" userId="3c9d1221-ac5f-4fde-9a6d-56e20c8fdb89" providerId="ADAL" clId="{C7A4A118-B957-4853-846D-185EA2464561}" dt="2022-09-21T18:38:58.435" v="4493" actId="1076"/>
+        <pc:sldMkLst>
+          <pc:docMk/>
+          <pc:sldMk cId="1110986409" sldId="273"/>
+        </pc:sldMkLst>
+        <pc:spChg chg="mod">
+          <ac:chgData name="Zhang, Zhiming" userId="3c9d1221-ac5f-4fde-9a6d-56e20c8fdb89" providerId="ADAL" clId="{C7A4A118-B957-4853-846D-185EA2464561}" dt="2022-09-21T14:03:59.391" v="3283" actId="27636"/>
+          <ac:spMkLst>
+            <pc:docMk/>
+            <pc:sldMk cId="1110986409" sldId="273"/>
+            <ac:spMk id="2" creationId="{C0DA8F13-F326-311C-F2EE-31B67DB70B24}"/>
+          </ac:spMkLst>
+        </pc:spChg>
+        <pc:spChg chg="mod">
+          <ac:chgData name="Zhang, Zhiming" userId="3c9d1221-ac5f-4fde-9a6d-56e20c8fdb89" providerId="ADAL" clId="{C7A4A118-B957-4853-846D-185EA2464561}" dt="2022-09-21T18:38:47.711" v="4492"/>
+          <ac:spMkLst>
+            <pc:docMk/>
+            <pc:sldMk cId="1110986409" sldId="273"/>
+            <ac:spMk id="3" creationId="{E695E6D6-1AB1-AD80-CEF8-33FBD3A7880F}"/>
+          </ac:spMkLst>
+        </pc:spChg>
+        <pc:spChg chg="add mod">
+          <ac:chgData name="Zhang, Zhiming" userId="3c9d1221-ac5f-4fde-9a6d-56e20c8fdb89" providerId="ADAL" clId="{C7A4A118-B957-4853-846D-185EA2464561}" dt="2022-09-21T17:36:43.078" v="3967" actId="1076"/>
+          <ac:spMkLst>
+            <pc:docMk/>
+            <pc:sldMk cId="1110986409" sldId="273"/>
+            <ac:spMk id="6" creationId="{BAFFF6F3-CAB7-7769-E44B-C6AB1409477D}"/>
+          </ac:spMkLst>
+        </pc:spChg>
+        <pc:picChg chg="add mod">
+          <ac:chgData name="Zhang, Zhiming" userId="3c9d1221-ac5f-4fde-9a6d-56e20c8fdb89" providerId="ADAL" clId="{C7A4A118-B957-4853-846D-185EA2464561}" dt="2022-09-21T18:38:58.435" v="4493" actId="1076"/>
+          <ac:picMkLst>
+            <pc:docMk/>
+            <pc:sldMk cId="1110986409" sldId="273"/>
+            <ac:picMk id="4" creationId="{78B4F4AF-F784-A6B7-E5AF-77E8671FD758}"/>
+          </ac:picMkLst>
+        </pc:picChg>
+      </pc:sldChg>
+      <pc:sldChg chg="addSp delSp modSp new mod">
+        <pc:chgData name="Zhang, Zhiming" userId="3c9d1221-ac5f-4fde-9a6d-56e20c8fdb89" providerId="ADAL" clId="{C7A4A118-B957-4853-846D-185EA2464561}" dt="2022-09-21T18:52:20.029" v="4688" actId="1076"/>
+        <pc:sldMkLst>
+          <pc:docMk/>
+          <pc:sldMk cId="2637232185" sldId="274"/>
+        </pc:sldMkLst>
+        <pc:spChg chg="mod">
+          <ac:chgData name="Zhang, Zhiming" userId="3c9d1221-ac5f-4fde-9a6d-56e20c8fdb89" providerId="ADAL" clId="{C7A4A118-B957-4853-846D-185EA2464561}" dt="2022-09-21T18:39:09.934" v="4494"/>
+          <ac:spMkLst>
+            <pc:docMk/>
+            <pc:sldMk cId="2637232185" sldId="274"/>
+            <ac:spMk id="2" creationId="{A86D1EF6-4DD6-A393-2F10-920A247311D7}"/>
+          </ac:spMkLst>
+        </pc:spChg>
+        <pc:spChg chg="mod">
+          <ac:chgData name="Zhang, Zhiming" userId="3c9d1221-ac5f-4fde-9a6d-56e20c8fdb89" providerId="ADAL" clId="{C7A4A118-B957-4853-846D-185EA2464561}" dt="2022-09-21T18:52:13.207" v="4686" actId="20577"/>
+          <ac:spMkLst>
+            <pc:docMk/>
+            <pc:sldMk cId="2637232185" sldId="274"/>
+            <ac:spMk id="3" creationId="{61CA59ED-B5E9-5BB7-6494-6B4BABEA6BC0}"/>
+          </ac:spMkLst>
+        </pc:spChg>
+        <pc:spChg chg="add del">
+          <ac:chgData name="Zhang, Zhiming" userId="3c9d1221-ac5f-4fde-9a6d-56e20c8fdb89" providerId="ADAL" clId="{C7A4A118-B957-4853-846D-185EA2464561}" dt="2022-09-21T17:46:04.194" v="4140" actId="22"/>
+          <ac:spMkLst>
+            <pc:docMk/>
+            <pc:sldMk cId="2637232185" sldId="274"/>
+            <ac:spMk id="5" creationId="{55C05444-774D-AA6E-1736-3CC6D7565404}"/>
+          </ac:spMkLst>
+        </pc:spChg>
+        <pc:picChg chg="add mod">
+          <ac:chgData name="Zhang, Zhiming" userId="3c9d1221-ac5f-4fde-9a6d-56e20c8fdb89" providerId="ADAL" clId="{C7A4A118-B957-4853-846D-185EA2464561}" dt="2022-09-21T18:52:17.611" v="4687" actId="1076"/>
+          <ac:picMkLst>
+            <pc:docMk/>
+            <pc:sldMk cId="2637232185" sldId="274"/>
+            <ac:picMk id="6" creationId="{F0F113A9-21E9-B413-25E8-6D7457E80877}"/>
+          </ac:picMkLst>
+        </pc:picChg>
+        <pc:picChg chg="add mod">
+          <ac:chgData name="Zhang, Zhiming" userId="3c9d1221-ac5f-4fde-9a6d-56e20c8fdb89" providerId="ADAL" clId="{C7A4A118-B957-4853-846D-185EA2464561}" dt="2022-09-21T18:52:20.029" v="4688" actId="1076"/>
+          <ac:picMkLst>
+            <pc:docMk/>
+            <pc:sldMk cId="2637232185" sldId="274"/>
+            <ac:picMk id="7" creationId="{5F4EAC38-2A5E-154A-39F1-A24419A2809F}"/>
+          </ac:picMkLst>
+        </pc:picChg>
+      </pc:sldChg>
+      <pc:sldChg chg="addSp modSp new mod">
+        <pc:chgData name="Zhang, Zhiming" userId="3c9d1221-ac5f-4fde-9a6d-56e20c8fdb89" providerId="ADAL" clId="{C7A4A118-B957-4853-846D-185EA2464561}" dt="2022-09-21T20:18:21.536" v="4753" actId="20577"/>
+        <pc:sldMkLst>
+          <pc:docMk/>
+          <pc:sldMk cId="2047625754" sldId="275"/>
+        </pc:sldMkLst>
+        <pc:spChg chg="mod">
+          <ac:chgData name="Zhang, Zhiming" userId="3c9d1221-ac5f-4fde-9a6d-56e20c8fdb89" providerId="ADAL" clId="{C7A4A118-B957-4853-846D-185EA2464561}" dt="2022-09-21T18:52:50.129" v="4689"/>
+          <ac:spMkLst>
+            <pc:docMk/>
+            <pc:sldMk cId="2047625754" sldId="275"/>
+            <ac:spMk id="2" creationId="{E509A2AA-D394-5F24-D1A3-01E1920637B0}"/>
+          </ac:spMkLst>
+        </pc:spChg>
+        <pc:spChg chg="mod">
+          <ac:chgData name="Zhang, Zhiming" userId="3c9d1221-ac5f-4fde-9a6d-56e20c8fdb89" providerId="ADAL" clId="{C7A4A118-B957-4853-846D-185EA2464561}" dt="2022-09-21T20:18:21.536" v="4753" actId="20577"/>
+          <ac:spMkLst>
+            <pc:docMk/>
+            <pc:sldMk cId="2047625754" sldId="275"/>
+            <ac:spMk id="3" creationId="{918CA981-B74A-41D4-024A-6A7899797C92}"/>
+          </ac:spMkLst>
+        </pc:spChg>
+        <pc:picChg chg="add mod">
+          <ac:chgData name="Zhang, Zhiming" userId="3c9d1221-ac5f-4fde-9a6d-56e20c8fdb89" providerId="ADAL" clId="{C7A4A118-B957-4853-846D-185EA2464561}" dt="2022-09-21T20:08:42.947" v="4731" actId="1076"/>
+          <ac:picMkLst>
+            <pc:docMk/>
+            <pc:sldMk cId="2047625754" sldId="275"/>
+            <ac:picMk id="4" creationId="{8D949EAE-9062-52F7-555D-046C04F2EAA5}"/>
+          </ac:picMkLst>
+        </pc:picChg>
+      </pc:sldChg>
+      <pc:sldChg chg="modSp new mod">
+        <pc:chgData name="Zhang, Zhiming" userId="3c9d1221-ac5f-4fde-9a6d-56e20c8fdb89" providerId="ADAL" clId="{C7A4A118-B957-4853-846D-185EA2464561}" dt="2022-09-22T13:44:17.548" v="4958" actId="20577"/>
+        <pc:sldMkLst>
+          <pc:docMk/>
+          <pc:sldMk cId="918675807" sldId="276"/>
+        </pc:sldMkLst>
+        <pc:spChg chg="mod">
+          <ac:chgData name="Zhang, Zhiming" userId="3c9d1221-ac5f-4fde-9a6d-56e20c8fdb89" providerId="ADAL" clId="{C7A4A118-B957-4853-846D-185EA2464561}" dt="2022-09-21T20:20:55.263" v="4755"/>
+          <ac:spMkLst>
+            <pc:docMk/>
+            <pc:sldMk cId="918675807" sldId="276"/>
+            <ac:spMk id="2" creationId="{41C47729-AD84-FA1C-1001-CB265759D642}"/>
+          </ac:spMkLst>
+        </pc:spChg>
+        <pc:spChg chg="mod">
+          <ac:chgData name="Zhang, Zhiming" userId="3c9d1221-ac5f-4fde-9a6d-56e20c8fdb89" providerId="ADAL" clId="{C7A4A118-B957-4853-846D-185EA2464561}" dt="2022-09-22T13:44:17.548" v="4958" actId="20577"/>
+          <ac:spMkLst>
+            <pc:docMk/>
+            <pc:sldMk cId="918675807" sldId="276"/>
+            <ac:spMk id="3" creationId="{CCCC0786-724A-66DC-0E08-094BA69C66F1}"/>
+          </ac:spMkLst>
+        </pc:spChg>
+      </pc:sldChg>
+      <pc:sldChg chg="addSp delSp modSp new mod">
+        <pc:chgData name="Zhang, Zhiming" userId="3c9d1221-ac5f-4fde-9a6d-56e20c8fdb89" providerId="ADAL" clId="{C7A4A118-B957-4853-846D-185EA2464561}" dt="2022-09-22T14:18:50.775" v="5664" actId="20577"/>
+        <pc:sldMkLst>
+          <pc:docMk/>
+          <pc:sldMk cId="3965613347" sldId="277"/>
+        </pc:sldMkLst>
+        <pc:spChg chg="mod">
+          <ac:chgData name="Zhang, Zhiming" userId="3c9d1221-ac5f-4fde-9a6d-56e20c8fdb89" providerId="ADAL" clId="{C7A4A118-B957-4853-846D-185EA2464561}" dt="2022-09-22T13:57:06.880" v="5348" actId="20577"/>
+          <ac:spMkLst>
+            <pc:docMk/>
+            <pc:sldMk cId="3965613347" sldId="277"/>
+            <ac:spMk id="2" creationId="{23AF0421-3CC6-D27A-5594-C7EDD80360EB}"/>
+          </ac:spMkLst>
+        </pc:spChg>
+        <pc:spChg chg="mod">
+          <ac:chgData name="Zhang, Zhiming" userId="3c9d1221-ac5f-4fde-9a6d-56e20c8fdb89" providerId="ADAL" clId="{C7A4A118-B957-4853-846D-185EA2464561}" dt="2022-09-22T14:18:50.775" v="5664" actId="20577"/>
+          <ac:spMkLst>
+            <pc:docMk/>
+            <pc:sldMk cId="3965613347" sldId="277"/>
+            <ac:spMk id="3" creationId="{CED5B1D7-7963-4DB3-C655-FF8052151C21}"/>
+          </ac:spMkLst>
+        </pc:spChg>
+        <pc:spChg chg="add del mod">
+          <ac:chgData name="Zhang, Zhiming" userId="3c9d1221-ac5f-4fde-9a6d-56e20c8fdb89" providerId="ADAL" clId="{C7A4A118-B957-4853-846D-185EA2464561}" dt="2022-09-22T14:03:04.415" v="5520"/>
+          <ac:spMkLst>
+            <pc:docMk/>
+            <pc:sldMk cId="3965613347" sldId="277"/>
+            <ac:spMk id="6" creationId="{AA50F242-2C22-AE9B-2232-196AAEB8E9DC}"/>
+          </ac:spMkLst>
+        </pc:spChg>
+        <pc:spChg chg="add del mod">
+          <ac:chgData name="Zhang, Zhiming" userId="3c9d1221-ac5f-4fde-9a6d-56e20c8fdb89" providerId="ADAL" clId="{C7A4A118-B957-4853-846D-185EA2464561}" dt="2022-09-22T14:03:04.415" v="5520"/>
+          <ac:spMkLst>
+            <pc:docMk/>
+            <pc:sldMk cId="3965613347" sldId="277"/>
+            <ac:spMk id="7" creationId="{67B5BF55-F9BA-7593-9172-74245C3E2CDC}"/>
+          </ac:spMkLst>
+        </pc:spChg>
+        <pc:picChg chg="add del mod">
+          <ac:chgData name="Zhang, Zhiming" userId="3c9d1221-ac5f-4fde-9a6d-56e20c8fdb89" providerId="ADAL" clId="{C7A4A118-B957-4853-846D-185EA2464561}" dt="2022-09-22T14:03:04.415" v="5520"/>
+          <ac:picMkLst>
+            <pc:docMk/>
+            <pc:sldMk cId="3965613347" sldId="277"/>
+            <ac:picMk id="4" creationId="{5477308A-11F6-7C07-C39E-1E7C09D418B6}"/>
+          </ac:picMkLst>
+        </pc:picChg>
+        <pc:picChg chg="add del mod">
+          <ac:chgData name="Zhang, Zhiming" userId="3c9d1221-ac5f-4fde-9a6d-56e20c8fdb89" providerId="ADAL" clId="{C7A4A118-B957-4853-846D-185EA2464561}" dt="2022-09-22T14:03:04.415" v="5520"/>
+          <ac:picMkLst>
+            <pc:docMk/>
+            <pc:sldMk cId="3965613347" sldId="277"/>
+            <ac:picMk id="5" creationId="{954211A0-99CE-69AF-DB47-19FA31C0E277}"/>
+          </ac:picMkLst>
+        </pc:picChg>
+        <pc:picChg chg="add mod">
+          <ac:chgData name="Zhang, Zhiming" userId="3c9d1221-ac5f-4fde-9a6d-56e20c8fdb89" providerId="ADAL" clId="{C7A4A118-B957-4853-846D-185EA2464561}" dt="2022-09-22T14:04:17.138" v="5631" actId="1076"/>
+          <ac:picMkLst>
+            <pc:docMk/>
+            <pc:sldMk cId="3965613347" sldId="277"/>
+            <ac:picMk id="8" creationId="{C7F19F57-89CC-49F7-E6AA-25761FB75A0E}"/>
+          </ac:picMkLst>
+        </pc:picChg>
+      </pc:sldChg>
+      <pc:sldChg chg="new del">
+        <pc:chgData name="Zhang, Zhiming" userId="3c9d1221-ac5f-4fde-9a6d-56e20c8fdb89" providerId="ADAL" clId="{C7A4A118-B957-4853-846D-185EA2464561}" dt="2022-09-22T14:09:27.380" v="5633" actId="47"/>
+        <pc:sldMkLst>
+          <pc:docMk/>
+          <pc:sldMk cId="1073249333" sldId="278"/>
+        </pc:sldMkLst>
+      </pc:sldChg>
+      <pc:sldChg chg="addSp modSp new mod">
+        <pc:chgData name="Zhang, Zhiming" userId="3c9d1221-ac5f-4fde-9a6d-56e20c8fdb89" providerId="ADAL" clId="{C7A4A118-B957-4853-846D-185EA2464561}" dt="2022-09-22T14:45:32.989" v="5975" actId="1076"/>
+        <pc:sldMkLst>
+          <pc:docMk/>
+          <pc:sldMk cId="1425596901" sldId="278"/>
+        </pc:sldMkLst>
+        <pc:spChg chg="mod">
+          <ac:chgData name="Zhang, Zhiming" userId="3c9d1221-ac5f-4fde-9a6d-56e20c8fdb89" providerId="ADAL" clId="{C7A4A118-B957-4853-846D-185EA2464561}" dt="2022-09-22T14:17:21.060" v="5655" actId="20577"/>
+          <ac:spMkLst>
+            <pc:docMk/>
+            <pc:sldMk cId="1425596901" sldId="278"/>
+            <ac:spMk id="2" creationId="{73CA548E-CD04-B02A-76C5-FA9880C97B41}"/>
+          </ac:spMkLst>
+        </pc:spChg>
+        <pc:spChg chg="mod">
+          <ac:chgData name="Zhang, Zhiming" userId="3c9d1221-ac5f-4fde-9a6d-56e20c8fdb89" providerId="ADAL" clId="{C7A4A118-B957-4853-846D-185EA2464561}" dt="2022-09-22T14:40:09.104" v="5972"/>
+          <ac:spMkLst>
+            <pc:docMk/>
+            <pc:sldMk cId="1425596901" sldId="278"/>
+            <ac:spMk id="3" creationId="{9860A222-1FD4-54C4-CBEF-97D81CB5B8D5}"/>
+          </ac:spMkLst>
+        </pc:spChg>
+        <pc:picChg chg="add mod">
+          <ac:chgData name="Zhang, Zhiming" userId="3c9d1221-ac5f-4fde-9a6d-56e20c8fdb89" providerId="ADAL" clId="{C7A4A118-B957-4853-846D-185EA2464561}" dt="2022-09-22T14:45:22.455" v="5973" actId="1076"/>
+          <ac:picMkLst>
+            <pc:docMk/>
+            <pc:sldMk cId="1425596901" sldId="278"/>
+            <ac:picMk id="4" creationId="{B620DB9C-4B70-C3FA-FDC1-4F4047C93741}"/>
+          </ac:picMkLst>
+        </pc:picChg>
+        <pc:picChg chg="add mod">
+          <ac:chgData name="Zhang, Zhiming" userId="3c9d1221-ac5f-4fde-9a6d-56e20c8fdb89" providerId="ADAL" clId="{C7A4A118-B957-4853-846D-185EA2464561}" dt="2022-09-22T14:45:32.989" v="5975" actId="1076"/>
+          <ac:picMkLst>
+            <pc:docMk/>
+            <pc:sldMk cId="1425596901" sldId="278"/>
+            <ac:picMk id="5" creationId="{EEAFFB43-4B80-D89F-9E4D-CD266710E422}"/>
+          </ac:picMkLst>
+        </pc:picChg>
+      </pc:sldChg>
+      <pc:sldChg chg="addSp modSp new mod">
+        <pc:chgData name="Zhang, Zhiming" userId="3c9d1221-ac5f-4fde-9a6d-56e20c8fdb89" providerId="ADAL" clId="{C7A4A118-B957-4853-846D-185EA2464561}" dt="2022-09-22T15:03:44.907" v="6687" actId="20577"/>
+        <pc:sldMkLst>
+          <pc:docMk/>
+          <pc:sldMk cId="3526093974" sldId="279"/>
+        </pc:sldMkLst>
+        <pc:spChg chg="mod">
+          <ac:chgData name="Zhang, Zhiming" userId="3c9d1221-ac5f-4fde-9a6d-56e20c8fdb89" providerId="ADAL" clId="{C7A4A118-B957-4853-846D-185EA2464561}" dt="2022-09-22T14:46:02.976" v="5977"/>
+          <ac:spMkLst>
+            <pc:docMk/>
+            <pc:sldMk cId="3526093974" sldId="279"/>
+            <ac:spMk id="2" creationId="{2BE4747F-0093-89D9-BD7C-456F8E770FF8}"/>
+          </ac:spMkLst>
+        </pc:spChg>
+        <pc:spChg chg="mod">
+          <ac:chgData name="Zhang, Zhiming" userId="3c9d1221-ac5f-4fde-9a6d-56e20c8fdb89" providerId="ADAL" clId="{C7A4A118-B957-4853-846D-185EA2464561}" dt="2022-09-22T15:03:44.907" v="6687" actId="20577"/>
+          <ac:spMkLst>
+            <pc:docMk/>
+            <pc:sldMk cId="3526093974" sldId="279"/>
+            <ac:spMk id="3" creationId="{B6D24568-2FFA-59FE-3A52-F7A3E64F4CD4}"/>
+          </ac:spMkLst>
+        </pc:spChg>
+        <pc:picChg chg="add mod">
+          <ac:chgData name="Zhang, Zhiming" userId="3c9d1221-ac5f-4fde-9a6d-56e20c8fdb89" providerId="ADAL" clId="{C7A4A118-B957-4853-846D-185EA2464561}" dt="2022-09-22T15:02:32.930" v="6610" actId="1076"/>
+          <ac:picMkLst>
+            <pc:docMk/>
+            <pc:sldMk cId="3526093974" sldId="279"/>
+            <ac:picMk id="4" creationId="{74340721-5214-7362-263C-FA97CB9B07A2}"/>
+          </ac:picMkLst>
+        </pc:picChg>
+        <pc:picChg chg="add mod">
+          <ac:chgData name="Zhang, Zhiming" userId="3c9d1221-ac5f-4fde-9a6d-56e20c8fdb89" providerId="ADAL" clId="{C7A4A118-B957-4853-846D-185EA2464561}" dt="2022-09-22T15:02:26.685" v="6608" actId="1076"/>
+          <ac:picMkLst>
+            <pc:docMk/>
+            <pc:sldMk cId="3526093974" sldId="279"/>
+            <ac:picMk id="5" creationId="{57ACEE69-DB76-71A0-0010-37A411AE2C29}"/>
+          </ac:picMkLst>
+        </pc:picChg>
+      </pc:sldChg>
     </pc:docChg>
   </pc:docChgLst>
   <pc:docChgLst>
     <pc:chgData name="Zhang, Zhiming" userId="3c9d1221-ac5f-4fde-9a6d-56e20c8fdb89" providerId="ADAL" clId="{7A91DF83-BBCE-4B84-91B0-8CDFA84504BA}"/>
     <pc:docChg chg="undo custSel addSld modSld">
-      <pc:chgData name="Zhang, Zhiming" userId="3c9d1221-ac5f-4fde-9a6d-56e20c8fdb89" providerId="ADAL" clId="{7A91DF83-BBCE-4B84-91B0-8CDFA84504BA}" dt="2022-09-14T22:32:12.034" v="3642" actId="1076"/>
+      <pc:chgData name="Zhang, Zhiming" userId="3c9d1221-ac5f-4fde-9a6d-56e20c8fdb89" providerId="ADAL" clId="{7A91DF83-BBCE-4B84-91B0-8CDFA84504BA}" dt="2022-09-29T16:56:28.424" v="5146" actId="20577"/>
       <pc:docMkLst>
         <pc:docMk/>
       </pc:docMkLst>
@@ -1254,6 +1551,99 @@
             <ac:picMk id="11" creationId="{56911609-8C3A-4F3A-3473-FDA2A2E9C70F}"/>
           </ac:picMkLst>
         </pc:picChg>
+      </pc:sldChg>
+      <pc:sldChg chg="modSp mod">
+        <pc:chgData name="Zhang, Zhiming" userId="3c9d1221-ac5f-4fde-9a6d-56e20c8fdb89" providerId="ADAL" clId="{7A91DF83-BBCE-4B84-91B0-8CDFA84504BA}" dt="2022-09-22T18:07:04.376" v="3651" actId="5793"/>
+        <pc:sldMkLst>
+          <pc:docMk/>
+          <pc:sldMk cId="918675807" sldId="276"/>
+        </pc:sldMkLst>
+        <pc:spChg chg="mod">
+          <ac:chgData name="Zhang, Zhiming" userId="3c9d1221-ac5f-4fde-9a6d-56e20c8fdb89" providerId="ADAL" clId="{7A91DF83-BBCE-4B84-91B0-8CDFA84504BA}" dt="2022-09-22T18:07:04.376" v="3651" actId="5793"/>
+          <ac:spMkLst>
+            <pc:docMk/>
+            <pc:sldMk cId="918675807" sldId="276"/>
+            <ac:spMk id="3" creationId="{CCCC0786-724A-66DC-0E08-094BA69C66F1}"/>
+          </ac:spMkLst>
+        </pc:spChg>
+      </pc:sldChg>
+      <pc:sldChg chg="addSp modSp new mod">
+        <pc:chgData name="Zhang, Zhiming" userId="3c9d1221-ac5f-4fde-9a6d-56e20c8fdb89" providerId="ADAL" clId="{7A91DF83-BBCE-4B84-91B0-8CDFA84504BA}" dt="2022-09-29T13:54:30.038" v="4700" actId="207"/>
+        <pc:sldMkLst>
+          <pc:docMk/>
+          <pc:sldMk cId="3304601609" sldId="280"/>
+        </pc:sldMkLst>
+        <pc:spChg chg="mod">
+          <ac:chgData name="Zhang, Zhiming" userId="3c9d1221-ac5f-4fde-9a6d-56e20c8fdb89" providerId="ADAL" clId="{7A91DF83-BBCE-4B84-91B0-8CDFA84504BA}" dt="2022-09-29T13:31:27.232" v="3667" actId="20577"/>
+          <ac:spMkLst>
+            <pc:docMk/>
+            <pc:sldMk cId="3304601609" sldId="280"/>
+            <ac:spMk id="2" creationId="{94D7E0BA-8A81-E394-A88B-F498C4B84BBA}"/>
+          </ac:spMkLst>
+        </pc:spChg>
+        <pc:spChg chg="mod">
+          <ac:chgData name="Zhang, Zhiming" userId="3c9d1221-ac5f-4fde-9a6d-56e20c8fdb89" providerId="ADAL" clId="{7A91DF83-BBCE-4B84-91B0-8CDFA84504BA}" dt="2022-09-29T13:52:05.933" v="4660" actId="20577"/>
+          <ac:spMkLst>
+            <pc:docMk/>
+            <pc:sldMk cId="3304601609" sldId="280"/>
+            <ac:spMk id="3" creationId="{8ED89B5F-BC78-2990-0E31-C082B8E13848}"/>
+          </ac:spMkLst>
+        </pc:spChg>
+        <pc:spChg chg="add mod">
+          <ac:chgData name="Zhang, Zhiming" userId="3c9d1221-ac5f-4fde-9a6d-56e20c8fdb89" providerId="ADAL" clId="{7A91DF83-BBCE-4B84-91B0-8CDFA84504BA}" dt="2022-09-29T13:53:41.946" v="4667" actId="14100"/>
+          <ac:spMkLst>
+            <pc:docMk/>
+            <pc:sldMk cId="3304601609" sldId="280"/>
+            <ac:spMk id="5" creationId="{037ABFFB-B175-0E34-3B10-DC89534E4194}"/>
+          </ac:spMkLst>
+        </pc:spChg>
+        <pc:spChg chg="add mod">
+          <ac:chgData name="Zhang, Zhiming" userId="3c9d1221-ac5f-4fde-9a6d-56e20c8fdb89" providerId="ADAL" clId="{7A91DF83-BBCE-4B84-91B0-8CDFA84504BA}" dt="2022-09-29T13:54:30.038" v="4700" actId="207"/>
+          <ac:spMkLst>
+            <pc:docMk/>
+            <pc:sldMk cId="3304601609" sldId="280"/>
+            <ac:spMk id="8" creationId="{E74DAF3B-B776-C6D7-6361-4B76491F1ACE}"/>
+          </ac:spMkLst>
+        </pc:spChg>
+        <pc:picChg chg="add mod">
+          <ac:chgData name="Zhang, Zhiming" userId="3c9d1221-ac5f-4fde-9a6d-56e20c8fdb89" providerId="ADAL" clId="{7A91DF83-BBCE-4B84-91B0-8CDFA84504BA}" dt="2022-09-29T13:52:47.722" v="4662" actId="1076"/>
+          <ac:picMkLst>
+            <pc:docMk/>
+            <pc:sldMk cId="3304601609" sldId="280"/>
+            <ac:picMk id="4" creationId="{11FA898A-AD9B-6EBB-693E-873903105D67}"/>
+          </ac:picMkLst>
+        </pc:picChg>
+        <pc:cxnChg chg="add mod">
+          <ac:chgData name="Zhang, Zhiming" userId="3c9d1221-ac5f-4fde-9a6d-56e20c8fdb89" providerId="ADAL" clId="{7A91DF83-BBCE-4B84-91B0-8CDFA84504BA}" dt="2022-09-29T13:53:53.404" v="4669" actId="208"/>
+          <ac:cxnSpMkLst>
+            <pc:docMk/>
+            <pc:sldMk cId="3304601609" sldId="280"/>
+            <ac:cxnSpMk id="7" creationId="{41869DAD-5FEF-6178-F167-FE6E4250E160}"/>
+          </ac:cxnSpMkLst>
+        </pc:cxnChg>
+      </pc:sldChg>
+      <pc:sldChg chg="modSp new mod">
+        <pc:chgData name="Zhang, Zhiming" userId="3c9d1221-ac5f-4fde-9a6d-56e20c8fdb89" providerId="ADAL" clId="{7A91DF83-BBCE-4B84-91B0-8CDFA84504BA}" dt="2022-09-29T16:56:28.424" v="5146" actId="20577"/>
+        <pc:sldMkLst>
+          <pc:docMk/>
+          <pc:sldMk cId="3343146340" sldId="281"/>
+        </pc:sldMkLst>
+        <pc:spChg chg="mod">
+          <ac:chgData name="Zhang, Zhiming" userId="3c9d1221-ac5f-4fde-9a6d-56e20c8fdb89" providerId="ADAL" clId="{7A91DF83-BBCE-4B84-91B0-8CDFA84504BA}" dt="2022-09-29T13:55:48.689" v="4716" actId="20577"/>
+          <ac:spMkLst>
+            <pc:docMk/>
+            <pc:sldMk cId="3343146340" sldId="281"/>
+            <ac:spMk id="2" creationId="{1FD28B58-FE57-753F-4518-9FB73AD93B97}"/>
+          </ac:spMkLst>
+        </pc:spChg>
+        <pc:spChg chg="mod">
+          <ac:chgData name="Zhang, Zhiming" userId="3c9d1221-ac5f-4fde-9a6d-56e20c8fdb89" providerId="ADAL" clId="{7A91DF83-BBCE-4B84-91B0-8CDFA84504BA}" dt="2022-09-29T16:56:28.424" v="5146" actId="20577"/>
+          <ac:spMkLst>
+            <pc:docMk/>
+            <pc:sldMk cId="3343146340" sldId="281"/>
+            <ac:spMk id="3" creationId="{F7CB0E9B-AE73-D856-37AF-B7891643493E}"/>
+          </ac:spMkLst>
+        </pc:spChg>
       </pc:sldChg>
     </pc:docChg>
   </pc:docChgLst>
@@ -1407,7 +1797,7 @@
           <a:p>
             <a:fld id="{257A1F3F-CCDE-46B3-96FB-3C637929CC5F}" type="datetimeFigureOut">
               <a:rPr lang="en-US" smtClean="0"/>
-              <a:t>9/14/2022</a:t>
+              <a:t>9/29/2022</a:t>
             </a:fld>
             <a:endParaRPr lang="en-US"/>
           </a:p>
@@ -1605,7 +1995,7 @@
           <a:p>
             <a:fld id="{257A1F3F-CCDE-46B3-96FB-3C637929CC5F}" type="datetimeFigureOut">
               <a:rPr lang="en-US" smtClean="0"/>
-              <a:t>9/14/2022</a:t>
+              <a:t>9/29/2022</a:t>
             </a:fld>
             <a:endParaRPr lang="en-US"/>
           </a:p>
@@ -1813,7 +2203,7 @@
           <a:p>
             <a:fld id="{257A1F3F-CCDE-46B3-96FB-3C637929CC5F}" type="datetimeFigureOut">
               <a:rPr lang="en-US" smtClean="0"/>
-              <a:t>9/14/2022</a:t>
+              <a:t>9/29/2022</a:t>
             </a:fld>
             <a:endParaRPr lang="en-US"/>
           </a:p>
@@ -2011,7 +2401,7 @@
           <a:p>
             <a:fld id="{257A1F3F-CCDE-46B3-96FB-3C637929CC5F}" type="datetimeFigureOut">
               <a:rPr lang="en-US" smtClean="0"/>
-              <a:t>9/14/2022</a:t>
+              <a:t>9/29/2022</a:t>
             </a:fld>
             <a:endParaRPr lang="en-US"/>
           </a:p>
@@ -2286,7 +2676,7 @@
           <a:p>
             <a:fld id="{257A1F3F-CCDE-46B3-96FB-3C637929CC5F}" type="datetimeFigureOut">
               <a:rPr lang="en-US" smtClean="0"/>
-              <a:t>9/14/2022</a:t>
+              <a:t>9/29/2022</a:t>
             </a:fld>
             <a:endParaRPr lang="en-US"/>
           </a:p>
@@ -2551,7 +2941,7 @@
           <a:p>
             <a:fld id="{257A1F3F-CCDE-46B3-96FB-3C637929CC5F}" type="datetimeFigureOut">
               <a:rPr lang="en-US" smtClean="0"/>
-              <a:t>9/14/2022</a:t>
+              <a:t>9/29/2022</a:t>
             </a:fld>
             <a:endParaRPr lang="en-US"/>
           </a:p>
@@ -2963,7 +3353,7 @@
           <a:p>
             <a:fld id="{257A1F3F-CCDE-46B3-96FB-3C637929CC5F}" type="datetimeFigureOut">
               <a:rPr lang="en-US" smtClean="0"/>
-              <a:t>9/14/2022</a:t>
+              <a:t>9/29/2022</a:t>
             </a:fld>
             <a:endParaRPr lang="en-US"/>
           </a:p>
@@ -3104,7 +3494,7 @@
           <a:p>
             <a:fld id="{257A1F3F-CCDE-46B3-96FB-3C637929CC5F}" type="datetimeFigureOut">
               <a:rPr lang="en-US" smtClean="0"/>
-              <a:t>9/14/2022</a:t>
+              <a:t>9/29/2022</a:t>
             </a:fld>
             <a:endParaRPr lang="en-US"/>
           </a:p>
@@ -3217,7 +3607,7 @@
           <a:p>
             <a:fld id="{257A1F3F-CCDE-46B3-96FB-3C637929CC5F}" type="datetimeFigureOut">
               <a:rPr lang="en-US" smtClean="0"/>
-              <a:t>9/14/2022</a:t>
+              <a:t>9/29/2022</a:t>
             </a:fld>
             <a:endParaRPr lang="en-US"/>
           </a:p>
@@ -3528,7 +3918,7 @@
           <a:p>
             <a:fld id="{257A1F3F-CCDE-46B3-96FB-3C637929CC5F}" type="datetimeFigureOut">
               <a:rPr lang="en-US" smtClean="0"/>
-              <a:t>9/14/2022</a:t>
+              <a:t>9/29/2022</a:t>
             </a:fld>
             <a:endParaRPr lang="en-US"/>
           </a:p>
@@ -3816,7 +4206,7 @@
           <a:p>
             <a:fld id="{257A1F3F-CCDE-46B3-96FB-3C637929CC5F}" type="datetimeFigureOut">
               <a:rPr lang="en-US" smtClean="0"/>
-              <a:t>9/14/2022</a:t>
+              <a:t>9/29/2022</a:t>
             </a:fld>
             <a:endParaRPr lang="en-US"/>
           </a:p>
@@ -4057,7 +4447,7 @@
           <a:p>
             <a:fld id="{257A1F3F-CCDE-46B3-96FB-3C637929CC5F}" type="datetimeFigureOut">
               <a:rPr lang="en-US" smtClean="0"/>
-              <a:t>9/14/2022</a:t>
+              <a:t>9/29/2022</a:t>
             </a:fld>
             <a:endParaRPr lang="en-US"/>
           </a:p>
@@ -4496,7 +4886,7 @@
           <a:lstStyle/>
           <a:p>
             <a:r>
-              <a:rPr lang="en-US" dirty="0"/>
+              <a:rPr lang="en-US"/>
               <a:t>RISC-V Tutorial</a:t>
             </a:r>
           </a:p>
@@ -4524,7 +4914,7 @@
           <a:lstStyle/>
           <a:p>
             <a:r>
-              <a:rPr lang="en-US" dirty="0"/>
+              <a:rPr lang="en-US"/>
               <a:t>Zhiming Zhang</a:t>
             </a:r>
           </a:p>
@@ -4582,7 +4972,7 @@
           <a:lstStyle/>
           <a:p>
             <a:r>
-              <a:rPr lang="en-US" dirty="0"/>
+              <a:rPr lang="en-US"/>
               <a:t>SSE-RV BOOM SoC</a:t>
             </a:r>
           </a:p>
@@ -4610,106 +5000,106 @@
           <a:lstStyle/>
           <a:p>
             <a:r>
-              <a:rPr lang="en-US" dirty="0"/>
+              <a:rPr lang="en-US"/>
               <a:t>In the newly cloned </a:t>
             </a:r>
             <a:r>
-              <a:rPr lang="en-US" dirty="0" err="1"/>
+              <a:rPr lang="en-US" err="1"/>
               <a:t>vivado</a:t>
             </a:r>
             <a:r>
-              <a:rPr lang="en-US" dirty="0"/>
+              <a:rPr lang="en-US"/>
               <a:t>-</a:t>
             </a:r>
             <a:r>
-              <a:rPr lang="en-US" dirty="0" err="1"/>
+              <a:rPr lang="en-US" err="1"/>
               <a:t>risc</a:t>
             </a:r>
             <a:r>
-              <a:rPr lang="en-US" dirty="0"/>
+              <a:rPr lang="en-US"/>
               <a:t>-v repo, locate the BOOM generator at </a:t>
             </a:r>
             <a:r>
-              <a:rPr lang="en-US" dirty="0" err="1"/>
+              <a:rPr lang="en-US" err="1"/>
               <a:t>vivado</a:t>
             </a:r>
             <a:r>
-              <a:rPr lang="en-US" dirty="0"/>
+              <a:rPr lang="en-US"/>
               <a:t>-</a:t>
             </a:r>
             <a:r>
-              <a:rPr lang="en-US" dirty="0" err="1"/>
+              <a:rPr lang="en-US" err="1"/>
               <a:t>risc</a:t>
             </a:r>
             <a:r>
-              <a:rPr lang="en-US" dirty="0"/>
+              <a:rPr lang="en-US"/>
               <a:t>-v/generators/</a:t>
             </a:r>
             <a:r>
-              <a:rPr lang="en-US" dirty="0" err="1"/>
+              <a:rPr lang="en-US" err="1"/>
               <a:t>riscv</a:t>
             </a:r>
             <a:r>
-              <a:rPr lang="en-US" dirty="0"/>
+              <a:rPr lang="en-US"/>
               <a:t>-boom</a:t>
             </a:r>
           </a:p>
           <a:p>
             <a:r>
-              <a:rPr lang="en-US" dirty="0"/>
+              <a:rPr lang="en-US"/>
               <a:t>Modify the Chisel source codes towards SSE-RV (Same as what we did in </a:t>
             </a:r>
             <a:r>
-              <a:rPr lang="en-US" dirty="0" err="1"/>
+              <a:rPr lang="en-US" err="1"/>
               <a:t>Verilator</a:t>
             </a:r>
             <a:r>
-              <a:rPr lang="en-US" dirty="0"/>
+              <a:rPr lang="en-US"/>
               <a:t> simulation)</a:t>
             </a:r>
           </a:p>
           <a:p>
             <a:r>
-              <a:rPr lang="en-US" dirty="0"/>
+              <a:rPr lang="en-US"/>
               <a:t>Regenerate bitstream</a:t>
             </a:r>
           </a:p>
           <a:p>
             <a:pPr lvl="1"/>
             <a:r>
-              <a:rPr lang="en-US" dirty="0"/>
+              <a:rPr lang="en-US"/>
               <a:t>source /opt/Xilinx/Vivado/2020.1/settings64.sh</a:t>
             </a:r>
           </a:p>
           <a:p>
             <a:pPr lvl="1"/>
             <a:r>
-              <a:rPr lang="en-US" dirty="0"/>
+              <a:rPr lang="en-US"/>
               <a:t>make CONFIG=rocket64w1 BOARD=genesys2 bitstream</a:t>
             </a:r>
           </a:p>
           <a:p>
             <a:r>
-              <a:rPr lang="en-US" dirty="0"/>
+              <a:rPr lang="en-US"/>
               <a:t>Program FPGA and boot the system (no need to reprepare SD card)</a:t>
             </a:r>
           </a:p>
           <a:p>
             <a:r>
-              <a:rPr lang="en-US" dirty="0"/>
+              <a:rPr lang="en-US"/>
               <a:t>Perform </a:t>
             </a:r>
             <a:r>
-              <a:rPr lang="en-US" dirty="0" err="1"/>
+              <a:rPr lang="en-US" err="1"/>
               <a:t>Spectre</a:t>
             </a:r>
             <a:r>
-              <a:rPr lang="en-US" dirty="0"/>
+              <a:rPr lang="en-US"/>
               <a:t> attacks again to see if leakage is mitigated</a:t>
             </a:r>
           </a:p>
           <a:p>
-            <a:endParaRPr lang="en-US" dirty="0"/>
+            <a:endParaRPr lang="en-US"/>
           </a:p>
         </p:txBody>
       </p:sp>
@@ -4765,11 +5155,11 @@
           <a:lstStyle/>
           <a:p>
             <a:r>
-              <a:rPr lang="en-US" dirty="0" err="1"/>
+              <a:rPr lang="en-US" err="1"/>
               <a:t>Vivado</a:t>
             </a:r>
             <a:r>
-              <a:rPr lang="en-US" dirty="0"/>
+              <a:rPr lang="en-US"/>
               <a:t> General Design Chain</a:t>
             </a:r>
           </a:p>
@@ -5042,7 +5432,7 @@
           <a:lstStyle/>
           <a:p>
             <a:r>
-              <a:rPr lang="en-US" dirty="0">
+              <a:rPr lang="en-US">
                 <a:solidFill>
                   <a:srgbClr val="FF0000"/>
                 </a:solidFill>
@@ -5081,7 +5471,7 @@
           <a:lstStyle/>
           <a:p>
             <a:r>
-              <a:rPr lang="en-US" dirty="0">
+              <a:rPr lang="en-US">
                 <a:solidFill>
                   <a:srgbClr val="FF0000"/>
                 </a:solidFill>
@@ -5120,7 +5510,7 @@
           <a:lstStyle/>
           <a:p>
             <a:r>
-              <a:rPr lang="en-US" dirty="0">
+              <a:rPr lang="en-US">
                 <a:solidFill>
                   <a:srgbClr val="FF0000"/>
                 </a:solidFill>
@@ -5159,7 +5549,7 @@
           <a:lstStyle/>
           <a:p>
             <a:r>
-              <a:rPr lang="en-US" dirty="0">
+              <a:rPr lang="en-US">
                 <a:solidFill>
                   <a:srgbClr val="FF0000"/>
                 </a:solidFill>
@@ -5167,7 +5557,7 @@
               <a:t>Check errors, warnings, </a:t>
             </a:r>
             <a:r>
-              <a:rPr lang="en-US" dirty="0" err="1">
+              <a:rPr lang="en-US" err="1">
                 <a:solidFill>
                   <a:srgbClr val="FF0000"/>
                 </a:solidFill>
@@ -5175,7 +5565,7 @@
               <a:t>infos</a:t>
             </a:r>
             <a:r>
-              <a:rPr lang="en-US" dirty="0">
+              <a:rPr lang="en-US">
                 <a:solidFill>
                   <a:srgbClr val="FF0000"/>
                 </a:solidFill>
@@ -5242,11 +5632,11 @@
           <a:lstStyle/>
           <a:p>
             <a:r>
-              <a:rPr lang="en-US" dirty="0" err="1"/>
+              <a:rPr lang="en-US" err="1"/>
               <a:t>Vivado</a:t>
             </a:r>
             <a:r>
-              <a:rPr lang="en-US" dirty="0"/>
+              <a:rPr lang="en-US"/>
               <a:t> General Design Chain</a:t>
             </a:r>
           </a:p>
@@ -5279,18 +5669,18 @@
           <a:lstStyle/>
           <a:p>
             <a:r>
-              <a:rPr lang="en-US" dirty="0"/>
+              <a:rPr lang="en-US"/>
               <a:t>To generate bitstream</a:t>
             </a:r>
           </a:p>
           <a:p>
             <a:pPr lvl="1"/>
             <a:r>
-              <a:rPr lang="en-US" dirty="0"/>
+              <a:rPr lang="en-US"/>
               <a:t>Run Synthesis </a:t>
             </a:r>
             <a:r>
-              <a:rPr lang="en-US" dirty="0">
+              <a:rPr lang="en-US">
                 <a:sym typeface="Wingdings" panose="05000000000000000000" pitchFamily="2" charset="2"/>
               </a:rPr>
               <a:t> Run Implementation  Generate Bitstream</a:t>
@@ -5298,7 +5688,7 @@
           </a:p>
           <a:p>
             <a:r>
-              <a:rPr lang="en-US" dirty="0">
+              <a:rPr lang="en-US">
                 <a:sym typeface="Wingdings" panose="05000000000000000000" pitchFamily="2" charset="2"/>
               </a:rPr>
               <a:t> To program FPGA</a:t>
@@ -5307,7 +5697,7 @@
           <a:p>
             <a:pPr lvl="1"/>
             <a:r>
-              <a:rPr lang="en-US" dirty="0">
+              <a:rPr lang="en-US">
                 <a:sym typeface="Wingdings" panose="05000000000000000000" pitchFamily="2" charset="2"/>
               </a:rPr>
               <a:t>Go to Open Hardware Manger  Open Target </a:t>
@@ -5315,13 +5705,13 @@
           </a:p>
           <a:p>
             <a:pPr lvl="1"/>
-            <a:endParaRPr lang="en-US" dirty="0">
+            <a:endParaRPr lang="en-US">
               <a:sym typeface="Wingdings" panose="05000000000000000000" pitchFamily="2" charset="2"/>
             </a:endParaRPr>
           </a:p>
           <a:p>
             <a:pPr lvl="1"/>
-            <a:endParaRPr lang="en-US" dirty="0">
+            <a:endParaRPr lang="en-US">
               <a:sym typeface="Wingdings" panose="05000000000000000000" pitchFamily="2" charset="2"/>
             </a:endParaRPr>
           </a:p>
@@ -5329,23 +5719,23 @@
             <a:pPr marL="457200" lvl="1" indent="0">
               <a:buNone/>
             </a:pPr>
-            <a:endParaRPr lang="en-US" dirty="0">
+            <a:endParaRPr lang="en-US">
               <a:sym typeface="Wingdings" panose="05000000000000000000" pitchFamily="2" charset="2"/>
             </a:endParaRPr>
           </a:p>
           <a:p>
             <a:pPr lvl="1"/>
             <a:r>
-              <a:rPr lang="en-US" dirty="0">
+              <a:rPr lang="en-US">
                 <a:sym typeface="Wingdings" panose="05000000000000000000" pitchFamily="2" charset="2"/>
               </a:rPr>
               <a:t>Click on Program Device</a:t>
             </a:r>
-            <a:endParaRPr lang="en-US" dirty="0"/>
+            <a:endParaRPr lang="en-US"/>
           </a:p>
           <a:p>
             <a:pPr lvl="1"/>
-            <a:endParaRPr lang="en-US" dirty="0"/>
+            <a:endParaRPr lang="en-US"/>
           </a:p>
         </p:txBody>
       </p:sp>
@@ -5518,7 +5908,7 @@
           <a:lstStyle/>
           <a:p>
             <a:r>
-              <a:rPr lang="en-US" dirty="0">
+              <a:rPr lang="en-US">
                 <a:solidFill>
                   <a:srgbClr val="FF0000"/>
                 </a:solidFill>
@@ -5684,7 +6074,7 @@
           <a:lstStyle/>
           <a:p>
             <a:r>
-              <a:rPr lang="en-US" dirty="0"/>
+              <a:rPr lang="en-US"/>
               <a:t>Integrated Logic Analyzer (ILA)</a:t>
             </a:r>
           </a:p>
@@ -5717,54 +6107,54 @@
           <a:lstStyle/>
           <a:p>
             <a:r>
-              <a:rPr lang="en-US" dirty="0"/>
+              <a:rPr lang="en-US"/>
               <a:t>We can use </a:t>
             </a:r>
             <a:r>
-              <a:rPr lang="en-US" dirty="0" err="1"/>
+              <a:rPr lang="en-US" err="1"/>
               <a:t>Vivado</a:t>
             </a:r>
             <a:r>
-              <a:rPr lang="en-US" dirty="0"/>
+              <a:rPr lang="en-US"/>
               <a:t> ILA to help debugging FPGA design</a:t>
             </a:r>
           </a:p>
           <a:p>
             <a:r>
-              <a:rPr lang="en-US" dirty="0"/>
+              <a:rPr lang="en-US"/>
               <a:t>Click                  on the left-hand side of </a:t>
             </a:r>
             <a:r>
-              <a:rPr lang="en-US" dirty="0" err="1"/>
+              <a:rPr lang="en-US" err="1"/>
               <a:t>Vivado</a:t>
             </a:r>
             <a:r>
-              <a:rPr lang="en-US" dirty="0"/>
+              <a:rPr lang="en-US"/>
               <a:t> GUI</a:t>
             </a:r>
           </a:p>
           <a:p>
             <a:pPr lvl="1"/>
             <a:r>
-              <a:rPr lang="en-US" dirty="0"/>
+              <a:rPr lang="en-US"/>
               <a:t>An IP Catalog </a:t>
             </a:r>
             <a:r>
-              <a:rPr lang="en-US" dirty="0" err="1"/>
+              <a:rPr lang="en-US" err="1"/>
               <a:t>subwindow</a:t>
             </a:r>
             <a:r>
-              <a:rPr lang="en-US" dirty="0"/>
+              <a:rPr lang="en-US"/>
               <a:t> is then added to the source editing area</a:t>
             </a:r>
           </a:p>
           <a:p>
             <a:r>
-              <a:rPr lang="en-US" dirty="0"/>
+              <a:rPr lang="en-US"/>
               <a:t>Go to                            </a:t>
             </a:r>
             <a:r>
-              <a:rPr lang="en-US" dirty="0">
+              <a:rPr lang="en-US">
                 <a:sym typeface="Wingdings" panose="05000000000000000000" pitchFamily="2" charset="2"/>
               </a:rPr>
               <a:t>             </a:t>
@@ -5773,12 +6163,12 @@
           <a:p>
             <a:pPr lvl="1"/>
             <a:r>
-              <a:rPr lang="en-US" dirty="0">
+              <a:rPr lang="en-US">
                 <a:sym typeface="Wingdings" panose="05000000000000000000" pitchFamily="2" charset="2"/>
               </a:rPr>
               <a:t>A Customize IP window will show up  </a:t>
             </a:r>
-            <a:endParaRPr lang="en-US" dirty="0"/>
+            <a:endParaRPr lang="en-US"/>
           </a:p>
         </p:txBody>
       </p:sp>
@@ -5952,7 +6342,7 @@
           <a:lstStyle/>
           <a:p>
             <a:r>
-              <a:rPr lang="en-US" dirty="0"/>
+              <a:rPr lang="en-US"/>
               <a:t>Integrated Logic Analyzer (ILA)</a:t>
             </a:r>
           </a:p>
@@ -5980,59 +6370,59 @@
           <a:lstStyle/>
           <a:p>
             <a:r>
-              <a:rPr lang="en-US" dirty="0"/>
+              <a:rPr lang="en-US"/>
               <a:t>In the Customize IP window </a:t>
             </a:r>
           </a:p>
           <a:p>
             <a:pPr lvl="1"/>
             <a:r>
-              <a:rPr lang="en-US" dirty="0"/>
+              <a:rPr lang="en-US"/>
               <a:t>Set up the Number of Probes</a:t>
             </a:r>
           </a:p>
           <a:p>
             <a:pPr lvl="1"/>
             <a:r>
-              <a:rPr lang="en-US" dirty="0"/>
+              <a:rPr lang="en-US"/>
               <a:t>Check Advanced Trigger </a:t>
             </a:r>
           </a:p>
           <a:p>
             <a:pPr lvl="1"/>
             <a:r>
-              <a:rPr lang="en-US" dirty="0"/>
+              <a:rPr lang="en-US"/>
               <a:t>Set up the width of each probe</a:t>
             </a:r>
           </a:p>
           <a:p>
             <a:pPr lvl="1"/>
             <a:r>
-              <a:rPr lang="en-US" dirty="0"/>
+              <a:rPr lang="en-US"/>
               <a:t>Click OK</a:t>
             </a:r>
           </a:p>
           <a:p>
             <a:r>
-              <a:rPr lang="en-US" dirty="0"/>
+              <a:rPr lang="en-US"/>
               <a:t>In the following Generate Output Products window</a:t>
             </a:r>
           </a:p>
           <a:p>
             <a:pPr lvl="1"/>
             <a:r>
-              <a:rPr lang="en-US" dirty="0"/>
+              <a:rPr lang="en-US"/>
               <a:t>Choose Synthesis Options as Global</a:t>
             </a:r>
           </a:p>
           <a:p>
             <a:pPr lvl="1"/>
-            <a:endParaRPr lang="en-US" dirty="0"/>
+            <a:endParaRPr lang="en-US"/>
           </a:p>
           <a:p>
             <a:pPr lvl="1"/>
             <a:r>
-              <a:rPr lang="en-US" dirty="0"/>
+              <a:rPr lang="en-US"/>
               <a:t>Click Generate, the ILA module is then added to Design Sources</a:t>
             </a:r>
           </a:p>
@@ -6275,7 +6665,7 @@
           <a:lstStyle/>
           <a:p>
             <a:r>
-              <a:rPr lang="en-US" dirty="0"/>
+              <a:rPr lang="en-US"/>
               <a:t>Integrated Logic Analyzer (ILA)</a:t>
             </a:r>
           </a:p>
@@ -6308,28 +6698,28 @@
           <a:lstStyle/>
           <a:p>
             <a:r>
-              <a:rPr lang="en-US" dirty="0"/>
+              <a:rPr lang="en-US"/>
               <a:t>Check the Verilog file of ILA module and instantiate it by conducting the ports</a:t>
             </a:r>
           </a:p>
           <a:p>
-            <a:endParaRPr lang="en-US" dirty="0"/>
-          </a:p>
-          <a:p>
-            <a:endParaRPr lang="en-US" dirty="0"/>
-          </a:p>
-          <a:p>
-            <a:endParaRPr lang="en-US" dirty="0"/>
-          </a:p>
-          <a:p>
-            <a:r>
-              <a:rPr lang="en-US" dirty="0"/>
+            <a:endParaRPr lang="en-US"/>
+          </a:p>
+          <a:p>
+            <a:endParaRPr lang="en-US"/>
+          </a:p>
+          <a:p>
+            <a:endParaRPr lang="en-US"/>
+          </a:p>
+          <a:p>
+            <a:r>
+              <a:rPr lang="en-US"/>
               <a:t>Rerun the design flow to generate a new bitstream </a:t>
             </a:r>
           </a:p>
           <a:p>
             <a:r>
-              <a:rPr lang="en-US" dirty="0"/>
+              <a:rPr lang="en-US"/>
               <a:t>When programming the FPGA, a new Debug probes file is also included</a:t>
             </a:r>
           </a:p>
@@ -6476,7 +6866,7 @@
           <a:lstStyle/>
           <a:p>
             <a:r>
-              <a:rPr lang="en-US" dirty="0"/>
+              <a:rPr lang="en-US"/>
               <a:t>Integrated Logic Analyzer (ILA)</a:t>
             </a:r>
           </a:p>
@@ -6504,7 +6894,7 @@
           <a:lstStyle/>
           <a:p>
             <a:r>
-              <a:rPr lang="en-US" dirty="0"/>
+              <a:rPr lang="en-US"/>
               <a:t>Now HARDWARE MANAGER window looks like this</a:t>
             </a:r>
           </a:p>
@@ -6621,7 +7011,7 @@
           <a:lstStyle/>
           <a:p>
             <a:r>
-              <a:rPr lang="en-US" dirty="0">
+              <a:rPr lang="en-US">
                 <a:solidFill>
                   <a:srgbClr val="FF0000"/>
                 </a:solidFill>
@@ -6629,7 +7019,7 @@
               <a:t>Create a .</a:t>
             </a:r>
             <a:r>
-              <a:rPr lang="en-US" dirty="0" err="1">
+              <a:rPr lang="en-US" err="1">
                 <a:solidFill>
                   <a:srgbClr val="FF0000"/>
                 </a:solidFill>
@@ -6637,7 +7027,7 @@
               <a:t>tsm</a:t>
             </a:r>
             <a:r>
-              <a:rPr lang="en-US" dirty="0">
+              <a:rPr lang="en-US">
                 <a:solidFill>
                   <a:srgbClr val="FF0000"/>
                 </a:solidFill>
@@ -6761,52 +7151,52 @@
           <a:lstStyle/>
           <a:p>
             <a:r>
-              <a:rPr lang="en-US" dirty="0"/>
+              <a:rPr lang="en-US"/>
               <a:t>Check the option     , then click    , the waveform will be updated every time a triggering condition is met </a:t>
             </a:r>
           </a:p>
           <a:p>
-            <a:endParaRPr lang="en-US" dirty="0"/>
-          </a:p>
-          <a:p>
-            <a:endParaRPr lang="en-US" dirty="0"/>
-          </a:p>
-          <a:p>
-            <a:endParaRPr lang="en-US" dirty="0"/>
-          </a:p>
-          <a:p>
-            <a:endParaRPr lang="en-US" dirty="0"/>
-          </a:p>
-          <a:p>
-            <a:endParaRPr lang="en-US" dirty="0"/>
-          </a:p>
-          <a:p>
-            <a:endParaRPr lang="en-US" dirty="0"/>
-          </a:p>
-          <a:p>
-            <a:endParaRPr lang="en-US" dirty="0"/>
-          </a:p>
-          <a:p>
-            <a:r>
-              <a:rPr lang="en-US" dirty="0"/>
+            <a:endParaRPr lang="en-US"/>
+          </a:p>
+          <a:p>
+            <a:endParaRPr lang="en-US"/>
+          </a:p>
+          <a:p>
+            <a:endParaRPr lang="en-US"/>
+          </a:p>
+          <a:p>
+            <a:endParaRPr lang="en-US"/>
+          </a:p>
+          <a:p>
+            <a:endParaRPr lang="en-US"/>
+          </a:p>
+          <a:p>
+            <a:endParaRPr lang="en-US"/>
+          </a:p>
+          <a:p>
+            <a:endParaRPr lang="en-US"/>
+          </a:p>
+          <a:p>
+            <a:r>
+              <a:rPr lang="en-US"/>
               <a:t>For more details about ILA and programming .</a:t>
             </a:r>
             <a:r>
-              <a:rPr lang="en-US" dirty="0" err="1"/>
+              <a:rPr lang="en-US" err="1"/>
               <a:t>tsm</a:t>
             </a:r>
             <a:r>
-              <a:rPr lang="en-US" dirty="0"/>
+              <a:rPr lang="en-US"/>
               <a:t> trigger file, please check this video: </a:t>
             </a:r>
             <a:r>
-              <a:rPr lang="en-US" dirty="0">
+              <a:rPr lang="en-US">
                 <a:hlinkClick r:id="rId4"/>
               </a:rPr>
               <a:t>https://youtu.be/_ljXMoGJ5iM</a:t>
             </a:r>
             <a:r>
-              <a:rPr lang="en-US" dirty="0"/>
+              <a:rPr lang="en-US"/>
               <a:t> </a:t>
             </a:r>
           </a:p>
@@ -6834,7 +7224,7 @@
           <a:lstStyle/>
           <a:p>
             <a:r>
-              <a:rPr lang="en-US" dirty="0"/>
+              <a:rPr lang="en-US"/>
               <a:t>Integrated Logic Analyzer (ILA)</a:t>
             </a:r>
           </a:p>
@@ -6883,6 +7273,532 @@
 </p:sld>
 </file>
 
+<file path=ppt/slides/slide18.xml><?xml version="1.0" encoding="utf-8"?>
+<p:sld xmlns:a="http://schemas.openxmlformats.org/drawingml/2006/main" xmlns:r="http://schemas.openxmlformats.org/officeDocument/2006/relationships" xmlns:p="http://schemas.openxmlformats.org/presentationml/2006/main">
+  <p:cSld>
+    <p:spTree>
+      <p:nvGrpSpPr>
+        <p:cNvPr id="1" name=""/>
+        <p:cNvGrpSpPr/>
+        <p:nvPr/>
+      </p:nvGrpSpPr>
+      <p:grpSpPr>
+        <a:xfrm>
+          <a:off x="0" y="0"/>
+          <a:ext cx="0" cy="0"/>
+          <a:chOff x="0" y="0"/>
+          <a:chExt cx="0" cy="0"/>
+        </a:xfrm>
+      </p:grpSpPr>
+      <p:sp>
+        <p:nvSpPr>
+          <p:cNvPr id="2" name="Title 1">
+            <a:extLst>
+              <a:ext uri="{FF2B5EF4-FFF2-40B4-BE49-F238E27FC236}">
+                <a16:creationId xmlns:a16="http://schemas.microsoft.com/office/drawing/2014/main" id="{C0DA8F13-F326-311C-F2EE-31B67DB70B24}"/>
+              </a:ext>
+            </a:extLst>
+          </p:cNvPr>
+          <p:cNvSpPr>
+            <a:spLocks noGrp="1"/>
+          </p:cNvSpPr>
+          <p:nvPr>
+            <p:ph type="title"/>
+          </p:nvPr>
+        </p:nvSpPr>
+        <p:spPr/>
+        <p:txBody>
+          <a:bodyPr>
+            <a:normAutofit/>
+          </a:bodyPr>
+          <a:lstStyle/>
+          <a:p>
+            <a:r>
+              <a:rPr lang="en-US"/>
+              <a:t>New microarchitectural attack replications on </a:t>
+            </a:r>
+            <a:r>
+              <a:rPr lang="en-US" err="1"/>
+              <a:t>SonicBOOM</a:t>
+            </a:r>
+            <a:endParaRPr lang="en-US"/>
+          </a:p>
+        </p:txBody>
+      </p:sp>
+      <p:sp>
+        <p:nvSpPr>
+          <p:cNvPr id="3" name="Content Placeholder 2">
+            <a:extLst>
+              <a:ext uri="{FF2B5EF4-FFF2-40B4-BE49-F238E27FC236}">
+                <a16:creationId xmlns:a16="http://schemas.microsoft.com/office/drawing/2014/main" id="{E695E6D6-1AB1-AD80-CEF8-33FBD3A7880F}"/>
+              </a:ext>
+            </a:extLst>
+          </p:cNvPr>
+          <p:cNvSpPr>
+            <a:spLocks noGrp="1"/>
+          </p:cNvSpPr>
+          <p:nvPr>
+            <p:ph idx="1"/>
+          </p:nvPr>
+        </p:nvSpPr>
+        <p:spPr/>
+        <p:txBody>
+          <a:bodyPr/>
+          <a:lstStyle/>
+          <a:p>
+            <a:r>
+              <a:rPr lang="en-US" err="1"/>
+              <a:t>FDiv</a:t>
+            </a:r>
+            <a:r>
+              <a:rPr lang="en-US"/>
+              <a:t> covert channel</a:t>
+            </a:r>
+          </a:p>
+          <a:p>
+            <a:pPr lvl="1"/>
+            <a:r>
+              <a:rPr lang="en-US"/>
+              <a:t>Read the </a:t>
+            </a:r>
+            <a:r>
+              <a:rPr lang="en-US" err="1"/>
+              <a:t>SpectreRewind</a:t>
+            </a:r>
+            <a:r>
+              <a:rPr lang="en-US"/>
+              <a:t> paper at: </a:t>
+            </a:r>
+            <a:r>
+              <a:rPr lang="en-US">
+                <a:hlinkClick r:id="rId2"/>
+              </a:rPr>
+              <a:t>https://arxiv.org/abs/2003.12208</a:t>
+            </a:r>
+            <a:r>
+              <a:rPr lang="en-US"/>
+              <a:t> </a:t>
+            </a:r>
+          </a:p>
+          <a:p>
+            <a:pPr lvl="1"/>
+            <a:r>
+              <a:rPr lang="en-US"/>
+              <a:t>To better understand the how </a:t>
+            </a:r>
+            <a:r>
+              <a:rPr lang="en-US" err="1"/>
+              <a:t>FDiv</a:t>
+            </a:r>
+            <a:r>
+              <a:rPr lang="en-US"/>
+              <a:t> covert channel works on x86, go to its </a:t>
+            </a:r>
+            <a:r>
+              <a:rPr lang="en-US" err="1"/>
+              <a:t>github</a:t>
+            </a:r>
+            <a:r>
+              <a:rPr lang="en-US"/>
+              <a:t>: </a:t>
+            </a:r>
+            <a:r>
+              <a:rPr lang="en-US">
+                <a:hlinkClick r:id="rId3"/>
+              </a:rPr>
+              <a:t>https://github.com/CSL-KU/SpectreRewind-PoC</a:t>
+            </a:r>
+            <a:r>
+              <a:rPr lang="en-US"/>
+              <a:t> </a:t>
+            </a:r>
+          </a:p>
+          <a:p>
+            <a:r>
+              <a:rPr lang="en-US"/>
+              <a:t>Port </a:t>
+            </a:r>
+            <a:r>
+              <a:rPr lang="en-US" err="1"/>
+              <a:t>FDiv</a:t>
+            </a:r>
+            <a:r>
+              <a:rPr lang="en-US"/>
+              <a:t> channel to </a:t>
+            </a:r>
+            <a:r>
+              <a:rPr lang="en-US" err="1"/>
+              <a:t>SonicBOOM</a:t>
+            </a:r>
+            <a:endParaRPr lang="en-US"/>
+          </a:p>
+          <a:p>
+            <a:pPr lvl="1"/>
+            <a:r>
+              <a:rPr lang="en-US"/>
+              <a:t>Find the threshold determination code </a:t>
+            </a:r>
+            <a:r>
+              <a:rPr lang="en-US" err="1"/>
+              <a:t>detect_spr.c</a:t>
+            </a:r>
+            <a:r>
+              <a:rPr lang="en-US"/>
+              <a:t> at: TBD</a:t>
+            </a:r>
+          </a:p>
+          <a:p>
+            <a:pPr lvl="1"/>
+            <a:r>
+              <a:rPr lang="en-US"/>
+              <a:t>Compile </a:t>
+            </a:r>
+            <a:r>
+              <a:rPr lang="en-US" err="1"/>
+              <a:t>detect_spr.c</a:t>
+            </a:r>
+            <a:r>
+              <a:rPr lang="en-US"/>
+              <a:t> in FPGA and run (refer to Section 2 of this tutorial)</a:t>
+            </a:r>
+          </a:p>
+          <a:p>
+            <a:pPr lvl="1"/>
+            <a:r>
+              <a:rPr lang="en-US"/>
+              <a:t>You should see a hist.dat generated and the terminal output similar as:</a:t>
+            </a:r>
+          </a:p>
+        </p:txBody>
+      </p:sp>
+      <p:pic>
+        <p:nvPicPr>
+          <p:cNvPr id="4" name="Picture 3">
+            <a:extLst>
+              <a:ext uri="{FF2B5EF4-FFF2-40B4-BE49-F238E27FC236}">
+                <a16:creationId xmlns:a16="http://schemas.microsoft.com/office/drawing/2014/main" id="{78B4F4AF-F784-A6B7-E5AF-77E8671FD758}"/>
+              </a:ext>
+            </a:extLst>
+          </p:cNvPr>
+          <p:cNvPicPr>
+            <a:picLocks noChangeAspect="1"/>
+          </p:cNvPicPr>
+          <p:nvPr/>
+        </p:nvPicPr>
+        <p:blipFill>
+          <a:blip r:embed="rId4"/>
+          <a:stretch>
+            <a:fillRect/>
+          </a:stretch>
+        </p:blipFill>
+        <p:spPr>
+          <a:xfrm>
+            <a:off x="1540487" y="5216372"/>
+            <a:ext cx="6401693" cy="1095528"/>
+          </a:xfrm>
+          <a:prstGeom prst="rect">
+            <a:avLst/>
+          </a:prstGeom>
+        </p:spPr>
+      </p:pic>
+      <p:sp>
+        <p:nvSpPr>
+          <p:cNvPr id="6" name="TextBox 5">
+            <a:extLst>
+              <a:ext uri="{FF2B5EF4-FFF2-40B4-BE49-F238E27FC236}">
+                <a16:creationId xmlns:a16="http://schemas.microsoft.com/office/drawing/2014/main" id="{BAFFF6F3-CAB7-7769-E44B-C6AB1409477D}"/>
+              </a:ext>
+            </a:extLst>
+          </p:cNvPr>
+          <p:cNvSpPr txBox="1"/>
+          <p:nvPr/>
+        </p:nvSpPr>
+        <p:spPr>
+          <a:xfrm>
+            <a:off x="7078134" y="5665569"/>
+            <a:ext cx="4064000" cy="646331"/>
+          </a:xfrm>
+          <a:prstGeom prst="rect">
+            <a:avLst/>
+          </a:prstGeom>
+          <a:noFill/>
+        </p:spPr>
+        <p:txBody>
+          <a:bodyPr wrap="square">
+            <a:spAutoFit/>
+          </a:bodyPr>
+          <a:lstStyle/>
+          <a:p>
+            <a:pPr lvl="2"/>
+            <a:r>
+              <a:rPr lang="en-US"/>
+              <a:t>If you see error rate is too high, rerun the executable  </a:t>
+            </a:r>
+          </a:p>
+        </p:txBody>
+      </p:sp>
+    </p:spTree>
+    <p:extLst>
+      <p:ext uri="{BB962C8B-B14F-4D97-AF65-F5344CB8AC3E}">
+        <p14:creationId xmlns:p14="http://schemas.microsoft.com/office/powerpoint/2010/main" val="1110986409"/>
+      </p:ext>
+    </p:extLst>
+  </p:cSld>
+  <p:clrMapOvr>
+    <a:masterClrMapping/>
+  </p:clrMapOvr>
+</p:sld>
+</file>
+
+<file path=ppt/slides/slide19.xml><?xml version="1.0" encoding="utf-8"?>
+<p:sld xmlns:a="http://schemas.openxmlformats.org/drawingml/2006/main" xmlns:r="http://schemas.openxmlformats.org/officeDocument/2006/relationships" xmlns:p="http://schemas.openxmlformats.org/presentationml/2006/main">
+  <p:cSld>
+    <p:spTree>
+      <p:nvGrpSpPr>
+        <p:cNvPr id="1" name=""/>
+        <p:cNvGrpSpPr/>
+        <p:nvPr/>
+      </p:nvGrpSpPr>
+      <p:grpSpPr>
+        <a:xfrm>
+          <a:off x="0" y="0"/>
+          <a:ext cx="0" cy="0"/>
+          <a:chOff x="0" y="0"/>
+          <a:chExt cx="0" cy="0"/>
+        </a:xfrm>
+      </p:grpSpPr>
+      <p:sp>
+        <p:nvSpPr>
+          <p:cNvPr id="2" name="Title 1">
+            <a:extLst>
+              <a:ext uri="{FF2B5EF4-FFF2-40B4-BE49-F238E27FC236}">
+                <a16:creationId xmlns:a16="http://schemas.microsoft.com/office/drawing/2014/main" id="{A86D1EF6-4DD6-A393-2F10-920A247311D7}"/>
+              </a:ext>
+            </a:extLst>
+          </p:cNvPr>
+          <p:cNvSpPr>
+            <a:spLocks noGrp="1"/>
+          </p:cNvSpPr>
+          <p:nvPr>
+            <p:ph type="title"/>
+          </p:nvPr>
+        </p:nvSpPr>
+        <p:spPr/>
+        <p:txBody>
+          <a:bodyPr/>
+          <a:lstStyle/>
+          <a:p>
+            <a:r>
+              <a:rPr lang="en-US"/>
+              <a:t>Port </a:t>
+            </a:r>
+            <a:r>
+              <a:rPr lang="en-US" err="1"/>
+              <a:t>FDiv</a:t>
+            </a:r>
+            <a:r>
+              <a:rPr lang="en-US"/>
+              <a:t> channel to </a:t>
+            </a:r>
+            <a:r>
+              <a:rPr lang="en-US" err="1"/>
+              <a:t>SonicBOOM</a:t>
+            </a:r>
+            <a:endParaRPr lang="en-US"/>
+          </a:p>
+        </p:txBody>
+      </p:sp>
+      <p:sp>
+        <p:nvSpPr>
+          <p:cNvPr id="3" name="Content Placeholder 2">
+            <a:extLst>
+              <a:ext uri="{FF2B5EF4-FFF2-40B4-BE49-F238E27FC236}">
+                <a16:creationId xmlns:a16="http://schemas.microsoft.com/office/drawing/2014/main" id="{61CA59ED-B5E9-5BB7-6494-6B4BABEA6BC0}"/>
+              </a:ext>
+            </a:extLst>
+          </p:cNvPr>
+          <p:cNvSpPr>
+            <a:spLocks noGrp="1"/>
+          </p:cNvSpPr>
+          <p:nvPr>
+            <p:ph idx="1"/>
+          </p:nvPr>
+        </p:nvSpPr>
+        <p:spPr/>
+        <p:txBody>
+          <a:bodyPr>
+            <a:normAutofit/>
+          </a:bodyPr>
+          <a:lstStyle/>
+          <a:p>
+            <a:r>
+              <a:rPr lang="en-US"/>
+              <a:t>Further verify the threshold </a:t>
+            </a:r>
+          </a:p>
+          <a:p>
+            <a:pPr lvl="1"/>
+            <a:r>
+              <a:rPr lang="en-US"/>
+              <a:t>Plot hist.dat (can use the </a:t>
+            </a:r>
+            <a:r>
+              <a:rPr lang="en-US" err="1"/>
+              <a:t>matlab</a:t>
+            </a:r>
+            <a:r>
+              <a:rPr lang="en-US"/>
+              <a:t> code at: TBD)</a:t>
+            </a:r>
+          </a:p>
+          <a:p>
+            <a:pPr lvl="1"/>
+            <a:r>
+              <a:rPr lang="en-US"/>
+              <a:t>Should see a clear threshold based on the plot </a:t>
+            </a:r>
+          </a:p>
+          <a:p>
+            <a:endParaRPr lang="en-US"/>
+          </a:p>
+          <a:p>
+            <a:r>
+              <a:rPr lang="en-US"/>
+              <a:t>Transmit a secret byte using the </a:t>
+            </a:r>
+            <a:r>
+              <a:rPr lang="en-US" err="1"/>
+              <a:t>FDiv</a:t>
+            </a:r>
+            <a:r>
+              <a:rPr lang="en-US"/>
+              <a:t> channel</a:t>
+            </a:r>
+          </a:p>
+          <a:p>
+            <a:pPr lvl="1"/>
+            <a:r>
+              <a:rPr lang="en-US"/>
+              <a:t>Find the </a:t>
+            </a:r>
+            <a:r>
+              <a:rPr lang="en-US" err="1"/>
+              <a:t>FDiv</a:t>
+            </a:r>
+            <a:r>
+              <a:rPr lang="en-US"/>
+              <a:t> channel source code </a:t>
+            </a:r>
+            <a:r>
+              <a:rPr lang="en-US" err="1"/>
+              <a:t>FDiv_test.c</a:t>
+            </a:r>
+            <a:r>
+              <a:rPr lang="en-US"/>
+              <a:t> at: TBD </a:t>
+            </a:r>
+          </a:p>
+          <a:p>
+            <a:pPr lvl="1"/>
+            <a:r>
+              <a:rPr lang="en-US"/>
+              <a:t>Compile </a:t>
+            </a:r>
+            <a:r>
+              <a:rPr lang="en-US" err="1"/>
+              <a:t>FDiv_test.c</a:t>
+            </a:r>
+            <a:r>
+              <a:rPr lang="en-US"/>
+              <a:t> in FPGA and run</a:t>
+            </a:r>
+          </a:p>
+          <a:p>
+            <a:pPr lvl="1"/>
+            <a:r>
+              <a:rPr lang="en-US"/>
+              <a:t>Should see secret byte is successfully recovered </a:t>
+            </a:r>
+          </a:p>
+          <a:p>
+            <a:pPr lvl="1"/>
+            <a:endParaRPr lang="en-US"/>
+          </a:p>
+        </p:txBody>
+      </p:sp>
+      <p:pic>
+        <p:nvPicPr>
+          <p:cNvPr id="6" name="Picture 5">
+            <a:extLst>
+              <a:ext uri="{FF2B5EF4-FFF2-40B4-BE49-F238E27FC236}">
+                <a16:creationId xmlns:a16="http://schemas.microsoft.com/office/drawing/2014/main" id="{F0F113A9-21E9-B413-25E8-6D7457E80877}"/>
+              </a:ext>
+            </a:extLst>
+          </p:cNvPr>
+          <p:cNvPicPr>
+            <a:picLocks noChangeAspect="1"/>
+          </p:cNvPicPr>
+          <p:nvPr/>
+        </p:nvPicPr>
+        <p:blipFill>
+          <a:blip r:embed="rId2"/>
+          <a:stretch>
+            <a:fillRect/>
+          </a:stretch>
+        </p:blipFill>
+        <p:spPr>
+          <a:xfrm>
+            <a:off x="7524490" y="1308537"/>
+            <a:ext cx="2827284" cy="2120463"/>
+          </a:xfrm>
+          <a:prstGeom prst="rect">
+            <a:avLst/>
+          </a:prstGeom>
+        </p:spPr>
+      </p:pic>
+      <p:pic>
+        <p:nvPicPr>
+          <p:cNvPr id="7" name="Picture 6">
+            <a:extLst>
+              <a:ext uri="{FF2B5EF4-FFF2-40B4-BE49-F238E27FC236}">
+                <a16:creationId xmlns:a16="http://schemas.microsoft.com/office/drawing/2014/main" id="{5F4EAC38-2A5E-154A-39F1-A24419A2809F}"/>
+              </a:ext>
+            </a:extLst>
+          </p:cNvPr>
+          <p:cNvPicPr>
+            <a:picLocks noChangeAspect="1"/>
+          </p:cNvPicPr>
+          <p:nvPr/>
+        </p:nvPicPr>
+        <p:blipFill>
+          <a:blip r:embed="rId3"/>
+          <a:stretch>
+            <a:fillRect/>
+          </a:stretch>
+        </p:blipFill>
+        <p:spPr>
+          <a:xfrm>
+            <a:off x="8506332" y="3875271"/>
+            <a:ext cx="2197213" cy="1378021"/>
+          </a:xfrm>
+          <a:prstGeom prst="rect">
+            <a:avLst/>
+          </a:prstGeom>
+        </p:spPr>
+      </p:pic>
+    </p:spTree>
+    <p:extLst>
+      <p:ext uri="{BB962C8B-B14F-4D97-AF65-F5344CB8AC3E}">
+        <p14:creationId xmlns:p14="http://schemas.microsoft.com/office/powerpoint/2010/main" val="2637232185"/>
+      </p:ext>
+    </p:extLst>
+  </p:cSld>
+  <p:clrMapOvr>
+    <a:masterClrMapping/>
+  </p:clrMapOvr>
+</p:sld>
+</file>
+
 <file path=ppt/slides/slide2.xml><?xml version="1.0" encoding="utf-8"?>
 <p:sld xmlns:a="http://schemas.openxmlformats.org/drawingml/2006/main" xmlns:r="http://schemas.openxmlformats.org/officeDocument/2006/relationships" xmlns:p="http://schemas.openxmlformats.org/presentationml/2006/main">
   <p:cSld>
@@ -6922,7 +7838,7 @@
           <a:lstStyle/>
           <a:p>
             <a:r>
-              <a:rPr lang="en-US" dirty="0"/>
+              <a:rPr lang="en-US"/>
               <a:t>Outline</a:t>
             </a:r>
           </a:p>
@@ -6947,128 +7863,171 @@
         <p:spPr/>
         <p:txBody>
           <a:bodyPr>
-            <a:normAutofit fontScale="85000" lnSpcReduction="20000"/>
+            <a:normAutofit fontScale="62500" lnSpcReduction="20000"/>
           </a:bodyPr>
           <a:lstStyle/>
           <a:p>
             <a:r>
-              <a:rPr lang="en-US" dirty="0" err="1"/>
+              <a:rPr lang="en-US" err="1"/>
               <a:t>Verilator</a:t>
             </a:r>
             <a:r>
-              <a:rPr lang="en-US" dirty="0"/>
+              <a:rPr lang="en-US"/>
               <a:t> simulation</a:t>
             </a:r>
           </a:p>
           <a:p>
             <a:pPr lvl="1"/>
             <a:r>
-              <a:rPr lang="en-US" dirty="0"/>
+              <a:rPr lang="en-US"/>
               <a:t>Hello world!</a:t>
             </a:r>
           </a:p>
           <a:p>
             <a:pPr lvl="1"/>
             <a:r>
-              <a:rPr lang="en-US" dirty="0" err="1"/>
+              <a:rPr lang="en-US" err="1"/>
               <a:t>Spectre</a:t>
             </a:r>
             <a:r>
-              <a:rPr lang="en-US" dirty="0"/>
+              <a:rPr lang="en-US"/>
               <a:t> V1 example</a:t>
             </a:r>
           </a:p>
           <a:p>
             <a:pPr lvl="1"/>
             <a:r>
-              <a:rPr lang="en-US" dirty="0"/>
+              <a:rPr lang="en-US"/>
               <a:t>Configure your own BOOM -- SSE-RV example</a:t>
             </a:r>
           </a:p>
           <a:p>
             <a:pPr lvl="1"/>
             <a:r>
-              <a:rPr lang="en-US" dirty="0"/>
+              <a:rPr lang="en-US"/>
               <a:t>Cycle-by-cycle debugging</a:t>
             </a:r>
           </a:p>
           <a:p>
             <a:r>
-              <a:rPr lang="en-US" dirty="0"/>
+              <a:rPr lang="en-US"/>
               <a:t>FPGA emulation</a:t>
             </a:r>
           </a:p>
           <a:p>
             <a:pPr lvl="1"/>
             <a:r>
-              <a:rPr lang="en-US" dirty="0"/>
+              <a:rPr lang="en-US"/>
               <a:t>Original BOOM SoC</a:t>
             </a:r>
           </a:p>
           <a:p>
             <a:pPr lvl="1"/>
             <a:r>
-              <a:rPr lang="en-US" dirty="0"/>
+              <a:rPr lang="en-US"/>
               <a:t>SSE-RV BOOM SoC</a:t>
             </a:r>
           </a:p>
           <a:p>
             <a:pPr lvl="1"/>
             <a:r>
-              <a:rPr lang="en-US" dirty="0"/>
+              <a:rPr lang="en-US"/>
               <a:t>General </a:t>
             </a:r>
             <a:r>
-              <a:rPr lang="en-US" dirty="0" err="1"/>
+              <a:rPr lang="en-US" err="1"/>
               <a:t>Vivado</a:t>
             </a:r>
             <a:r>
-              <a:rPr lang="en-US" dirty="0"/>
+              <a:rPr lang="en-US"/>
               <a:t> design chain</a:t>
             </a:r>
           </a:p>
           <a:p>
             <a:pPr lvl="1"/>
             <a:r>
-              <a:rPr lang="en-US" dirty="0" err="1"/>
+              <a:rPr lang="en-US" err="1"/>
               <a:t>Vivado</a:t>
             </a:r>
             <a:r>
-              <a:rPr lang="en-US" dirty="0"/>
+              <a:rPr lang="en-US"/>
               <a:t> integrated logic analyzer (ILA)</a:t>
             </a:r>
           </a:p>
           <a:p>
             <a:r>
-              <a:rPr lang="en-US" dirty="0"/>
-              <a:t>Microarchitectural attack replications on </a:t>
-            </a:r>
-            <a:r>
-              <a:rPr lang="en-US" dirty="0" err="1"/>
+              <a:rPr lang="en-US"/>
+              <a:t>New microarchitectural attack replications on </a:t>
+            </a:r>
+            <a:r>
+              <a:rPr lang="en-US" err="1"/>
               <a:t>SonicBOOM</a:t>
             </a:r>
-            <a:endParaRPr lang="en-US" dirty="0"/>
-          </a:p>
-          <a:p>
-            <a:r>
-              <a:rPr lang="en-US" dirty="0"/>
-              <a:t>Extension of SSE-RV</a:t>
-            </a:r>
-          </a:p>
-          <a:p>
-            <a:r>
-              <a:rPr lang="en-US" dirty="0" err="1"/>
-              <a:t>Fuzzer</a:t>
-            </a:r>
-            <a:r>
-              <a:rPr lang="en-US" dirty="0"/>
-              <a:t> development for </a:t>
-            </a:r>
-            <a:r>
-              <a:rPr lang="en-US" dirty="0" err="1"/>
-              <a:t>SonicBOOM</a:t>
-            </a:r>
-            <a:endParaRPr lang="en-US" dirty="0"/>
+            <a:endParaRPr lang="en-US"/>
+          </a:p>
+          <a:p>
+            <a:pPr lvl="1"/>
+            <a:r>
+              <a:rPr lang="en-US"/>
+              <a:t>Backend: </a:t>
+            </a:r>
+            <a:r>
+              <a:rPr lang="en-US" err="1"/>
+              <a:t>FDiv</a:t>
+            </a:r>
+            <a:r>
+              <a:rPr lang="en-US"/>
+              <a:t> covert channel</a:t>
+            </a:r>
+          </a:p>
+          <a:p>
+            <a:pPr lvl="1"/>
+            <a:r>
+              <a:rPr lang="en-US"/>
+              <a:t>Frontend: </a:t>
+            </a:r>
+            <a:r>
+              <a:rPr lang="en-US" err="1"/>
+              <a:t>Spectre</a:t>
+            </a:r>
+            <a:r>
+              <a:rPr lang="en-US"/>
+              <a:t> V4 </a:t>
+            </a:r>
+          </a:p>
+          <a:p>
+            <a:r>
+              <a:rPr lang="en-US"/>
+              <a:t>Improvement of SSE-RV</a:t>
+            </a:r>
+          </a:p>
+          <a:p>
+            <a:pPr lvl="1"/>
+            <a:r>
+              <a:rPr lang="en-US" err="1"/>
+              <a:t>Overtainting</a:t>
+            </a:r>
+            <a:r>
+              <a:rPr lang="en-US"/>
+              <a:t> issue</a:t>
+            </a:r>
+          </a:p>
+          <a:p>
+            <a:pPr lvl="1"/>
+            <a:r>
+              <a:rPr lang="en-US" err="1"/>
+              <a:t>Overuntainting</a:t>
+            </a:r>
+            <a:r>
+              <a:rPr lang="en-US"/>
+              <a:t> issue</a:t>
+            </a:r>
+          </a:p>
+          <a:p>
+            <a:r>
+              <a:rPr lang="en-US"/>
+              <a:t>Extended SSE-RV</a:t>
+            </a:r>
           </a:p>
         </p:txBody>
       </p:sp>
@@ -7076,6 +8035,1266 @@
     <p:extLst>
       <p:ext uri="{BB962C8B-B14F-4D97-AF65-F5344CB8AC3E}">
         <p14:creationId xmlns:p14="http://schemas.microsoft.com/office/powerpoint/2010/main" val="2758905908"/>
+      </p:ext>
+    </p:extLst>
+  </p:cSld>
+  <p:clrMapOvr>
+    <a:masterClrMapping/>
+  </p:clrMapOvr>
+</p:sld>
+</file>
+
+<file path=ppt/slides/slide20.xml><?xml version="1.0" encoding="utf-8"?>
+<p:sld xmlns:a="http://schemas.openxmlformats.org/drawingml/2006/main" xmlns:r="http://schemas.openxmlformats.org/officeDocument/2006/relationships" xmlns:p="http://schemas.openxmlformats.org/presentationml/2006/main">
+  <p:cSld>
+    <p:spTree>
+      <p:nvGrpSpPr>
+        <p:cNvPr id="1" name=""/>
+        <p:cNvGrpSpPr/>
+        <p:nvPr/>
+      </p:nvGrpSpPr>
+      <p:grpSpPr>
+        <a:xfrm>
+          <a:off x="0" y="0"/>
+          <a:ext cx="0" cy="0"/>
+          <a:chOff x="0" y="0"/>
+          <a:chExt cx="0" cy="0"/>
+        </a:xfrm>
+      </p:grpSpPr>
+      <p:sp>
+        <p:nvSpPr>
+          <p:cNvPr id="2" name="Title 1">
+            <a:extLst>
+              <a:ext uri="{FF2B5EF4-FFF2-40B4-BE49-F238E27FC236}">
+                <a16:creationId xmlns:a16="http://schemas.microsoft.com/office/drawing/2014/main" id="{E509A2AA-D394-5F24-D1A3-01E1920637B0}"/>
+              </a:ext>
+            </a:extLst>
+          </p:cNvPr>
+          <p:cNvSpPr>
+            <a:spLocks noGrp="1"/>
+          </p:cNvSpPr>
+          <p:nvPr>
+            <p:ph type="title"/>
+          </p:nvPr>
+        </p:nvSpPr>
+        <p:spPr/>
+        <p:txBody>
+          <a:bodyPr/>
+          <a:lstStyle/>
+          <a:p>
+            <a:r>
+              <a:rPr lang="en-US"/>
+              <a:t>Port </a:t>
+            </a:r>
+            <a:r>
+              <a:rPr lang="en-US" err="1"/>
+              <a:t>FDiv</a:t>
+            </a:r>
+            <a:r>
+              <a:rPr lang="en-US"/>
+              <a:t> channel to </a:t>
+            </a:r>
+            <a:r>
+              <a:rPr lang="en-US" err="1"/>
+              <a:t>SonicBOOM</a:t>
+            </a:r>
+            <a:endParaRPr lang="en-US"/>
+          </a:p>
+        </p:txBody>
+      </p:sp>
+      <p:sp>
+        <p:nvSpPr>
+          <p:cNvPr id="3" name="Content Placeholder 2">
+            <a:extLst>
+              <a:ext uri="{FF2B5EF4-FFF2-40B4-BE49-F238E27FC236}">
+                <a16:creationId xmlns:a16="http://schemas.microsoft.com/office/drawing/2014/main" id="{918CA981-B74A-41D4-024A-6A7899797C92}"/>
+              </a:ext>
+            </a:extLst>
+          </p:cNvPr>
+          <p:cNvSpPr>
+            <a:spLocks noGrp="1"/>
+          </p:cNvSpPr>
+          <p:nvPr>
+            <p:ph idx="1"/>
+          </p:nvPr>
+        </p:nvSpPr>
+        <p:spPr/>
+        <p:txBody>
+          <a:bodyPr/>
+          <a:lstStyle/>
+          <a:p>
+            <a:r>
+              <a:rPr lang="en-US" err="1"/>
+              <a:t>Spectre</a:t>
+            </a:r>
+            <a:r>
+              <a:rPr lang="en-US"/>
+              <a:t> V1 + </a:t>
+            </a:r>
+            <a:r>
+              <a:rPr lang="en-US" err="1"/>
+              <a:t>FDiv</a:t>
+            </a:r>
+            <a:r>
+              <a:rPr lang="en-US"/>
+              <a:t> on </a:t>
+            </a:r>
+            <a:r>
+              <a:rPr lang="en-US" err="1"/>
+              <a:t>SonicBOOM</a:t>
+            </a:r>
+            <a:endParaRPr lang="en-US"/>
+          </a:p>
+          <a:p>
+            <a:pPr lvl="1"/>
+            <a:r>
+              <a:rPr lang="en-US"/>
+              <a:t>Combine </a:t>
+            </a:r>
+            <a:r>
+              <a:rPr lang="en-US" err="1"/>
+              <a:t>Spectre</a:t>
+            </a:r>
+            <a:r>
+              <a:rPr lang="en-US"/>
+              <a:t> V1 frontend with </a:t>
+            </a:r>
+            <a:r>
+              <a:rPr lang="en-US" err="1"/>
+              <a:t>FDiv</a:t>
+            </a:r>
+            <a:r>
+              <a:rPr lang="en-US"/>
+              <a:t> covert channel, the source code SpecV1_FDiv_withCond_V1.c can be found at: TBD</a:t>
+            </a:r>
+          </a:p>
+          <a:p>
+            <a:pPr lvl="1"/>
+            <a:r>
+              <a:rPr lang="en-US"/>
+              <a:t>Compile and run, a secret byte should be recovered as:</a:t>
+            </a:r>
+          </a:p>
+          <a:p>
+            <a:endParaRPr lang="en-US"/>
+          </a:p>
+        </p:txBody>
+      </p:sp>
+      <p:pic>
+        <p:nvPicPr>
+          <p:cNvPr id="4" name="Picture 3">
+            <a:extLst>
+              <a:ext uri="{FF2B5EF4-FFF2-40B4-BE49-F238E27FC236}">
+                <a16:creationId xmlns:a16="http://schemas.microsoft.com/office/drawing/2014/main" id="{8D949EAE-9062-52F7-555D-046C04F2EAA5}"/>
+              </a:ext>
+            </a:extLst>
+          </p:cNvPr>
+          <p:cNvPicPr>
+            <a:picLocks noChangeAspect="1"/>
+          </p:cNvPicPr>
+          <p:nvPr/>
+        </p:nvPicPr>
+        <p:blipFill>
+          <a:blip r:embed="rId2"/>
+          <a:stretch>
+            <a:fillRect/>
+          </a:stretch>
+        </p:blipFill>
+        <p:spPr>
+          <a:xfrm>
+            <a:off x="4018361" y="3429000"/>
+            <a:ext cx="4155278" cy="2236024"/>
+          </a:xfrm>
+          <a:prstGeom prst="rect">
+            <a:avLst/>
+          </a:prstGeom>
+        </p:spPr>
+      </p:pic>
+    </p:spTree>
+    <p:extLst>
+      <p:ext uri="{BB962C8B-B14F-4D97-AF65-F5344CB8AC3E}">
+        <p14:creationId xmlns:p14="http://schemas.microsoft.com/office/powerpoint/2010/main" val="2047625754"/>
+      </p:ext>
+    </p:extLst>
+  </p:cSld>
+  <p:clrMapOvr>
+    <a:masterClrMapping/>
+  </p:clrMapOvr>
+</p:sld>
+</file>
+
+<file path=ppt/slides/slide21.xml><?xml version="1.0" encoding="utf-8"?>
+<p:sld xmlns:a="http://schemas.openxmlformats.org/drawingml/2006/main" xmlns:r="http://schemas.openxmlformats.org/officeDocument/2006/relationships" xmlns:p="http://schemas.openxmlformats.org/presentationml/2006/main">
+  <p:cSld>
+    <p:spTree>
+      <p:nvGrpSpPr>
+        <p:cNvPr id="1" name=""/>
+        <p:cNvGrpSpPr/>
+        <p:nvPr/>
+      </p:nvGrpSpPr>
+      <p:grpSpPr>
+        <a:xfrm>
+          <a:off x="0" y="0"/>
+          <a:ext cx="0" cy="0"/>
+          <a:chOff x="0" y="0"/>
+          <a:chExt cx="0" cy="0"/>
+        </a:xfrm>
+      </p:grpSpPr>
+      <p:sp>
+        <p:nvSpPr>
+          <p:cNvPr id="2" name="Title 1">
+            <a:extLst>
+              <a:ext uri="{FF2B5EF4-FFF2-40B4-BE49-F238E27FC236}">
+                <a16:creationId xmlns:a16="http://schemas.microsoft.com/office/drawing/2014/main" id="{41C47729-AD84-FA1C-1001-CB265759D642}"/>
+              </a:ext>
+            </a:extLst>
+          </p:cNvPr>
+          <p:cNvSpPr>
+            <a:spLocks noGrp="1"/>
+          </p:cNvSpPr>
+          <p:nvPr>
+            <p:ph type="title"/>
+          </p:nvPr>
+        </p:nvSpPr>
+        <p:spPr/>
+        <p:txBody>
+          <a:bodyPr/>
+          <a:lstStyle/>
+          <a:p>
+            <a:r>
+              <a:rPr lang="en-US"/>
+              <a:t>New microarchitectural attack replications on </a:t>
+            </a:r>
+            <a:r>
+              <a:rPr lang="en-US" err="1"/>
+              <a:t>SonicBOOM</a:t>
+            </a:r>
+            <a:endParaRPr lang="en-US"/>
+          </a:p>
+        </p:txBody>
+      </p:sp>
+      <p:sp>
+        <p:nvSpPr>
+          <p:cNvPr id="3" name="Content Placeholder 2">
+            <a:extLst>
+              <a:ext uri="{FF2B5EF4-FFF2-40B4-BE49-F238E27FC236}">
+                <a16:creationId xmlns:a16="http://schemas.microsoft.com/office/drawing/2014/main" id="{CCCC0786-724A-66DC-0E08-094BA69C66F1}"/>
+              </a:ext>
+            </a:extLst>
+          </p:cNvPr>
+          <p:cNvSpPr>
+            <a:spLocks noGrp="1"/>
+          </p:cNvSpPr>
+          <p:nvPr>
+            <p:ph idx="1"/>
+          </p:nvPr>
+        </p:nvSpPr>
+        <p:spPr/>
+        <p:txBody>
+          <a:bodyPr/>
+          <a:lstStyle/>
+          <a:p>
+            <a:r>
+              <a:rPr lang="en-US" err="1"/>
+              <a:t>Spectre</a:t>
+            </a:r>
+            <a:r>
+              <a:rPr lang="en-US"/>
+              <a:t> V4 attack</a:t>
+            </a:r>
+          </a:p>
+          <a:p>
+            <a:pPr lvl="1"/>
+            <a:r>
+              <a:rPr lang="en-US"/>
+              <a:t>Understand </a:t>
+            </a:r>
+            <a:r>
+              <a:rPr lang="en-US" err="1"/>
+              <a:t>Spectre</a:t>
+            </a:r>
+            <a:r>
+              <a:rPr lang="en-US"/>
+              <a:t> V4 basics at: </a:t>
+            </a:r>
+            <a:r>
+              <a:rPr lang="en-US">
+                <a:hlinkClick r:id="rId2"/>
+              </a:rPr>
+              <a:t>https://www.cyberus-technology.de/posts/2018-05-22-intel-store-load-spectre-vulnerability.html</a:t>
+            </a:r>
+            <a:r>
+              <a:rPr lang="en-US"/>
+              <a:t> </a:t>
+            </a:r>
+          </a:p>
+          <a:p>
+            <a:pPr lvl="1"/>
+            <a:r>
+              <a:rPr lang="en-US" err="1"/>
+              <a:t>Github</a:t>
+            </a:r>
+            <a:r>
+              <a:rPr lang="en-US"/>
+              <a:t> </a:t>
+            </a:r>
+          </a:p>
+          <a:p>
+            <a:pPr lvl="1"/>
+            <a:r>
+              <a:rPr lang="en-US"/>
+              <a:t>My </a:t>
+            </a:r>
+            <a:r>
+              <a:rPr lang="en-US" err="1"/>
+              <a:t>Spectre</a:t>
+            </a:r>
+            <a:r>
+              <a:rPr lang="en-US"/>
+              <a:t> V4 code SpectreV4_06292022.c (not complete) is in: TBD</a:t>
+            </a:r>
+          </a:p>
+        </p:txBody>
+      </p:sp>
+    </p:spTree>
+    <p:extLst>
+      <p:ext uri="{BB962C8B-B14F-4D97-AF65-F5344CB8AC3E}">
+        <p14:creationId xmlns:p14="http://schemas.microsoft.com/office/powerpoint/2010/main" val="918675807"/>
+      </p:ext>
+    </p:extLst>
+  </p:cSld>
+  <p:clrMapOvr>
+    <a:masterClrMapping/>
+  </p:clrMapOvr>
+</p:sld>
+</file>
+
+<file path=ppt/slides/slide22.xml><?xml version="1.0" encoding="utf-8"?>
+<p:sld xmlns:a="http://schemas.openxmlformats.org/drawingml/2006/main" xmlns:r="http://schemas.openxmlformats.org/officeDocument/2006/relationships" xmlns:p="http://schemas.openxmlformats.org/presentationml/2006/main">
+  <p:cSld>
+    <p:spTree>
+      <p:nvGrpSpPr>
+        <p:cNvPr id="1" name=""/>
+        <p:cNvGrpSpPr/>
+        <p:nvPr/>
+      </p:nvGrpSpPr>
+      <p:grpSpPr>
+        <a:xfrm>
+          <a:off x="0" y="0"/>
+          <a:ext cx="0" cy="0"/>
+          <a:chOff x="0" y="0"/>
+          <a:chExt cx="0" cy="0"/>
+        </a:xfrm>
+      </p:grpSpPr>
+      <p:sp>
+        <p:nvSpPr>
+          <p:cNvPr id="2" name="Title 1">
+            <a:extLst>
+              <a:ext uri="{FF2B5EF4-FFF2-40B4-BE49-F238E27FC236}">
+                <a16:creationId xmlns:a16="http://schemas.microsoft.com/office/drawing/2014/main" id="{23AF0421-3CC6-D27A-5594-C7EDD80360EB}"/>
+              </a:ext>
+            </a:extLst>
+          </p:cNvPr>
+          <p:cNvSpPr>
+            <a:spLocks noGrp="1"/>
+          </p:cNvSpPr>
+          <p:nvPr>
+            <p:ph type="title"/>
+          </p:nvPr>
+        </p:nvSpPr>
+        <p:spPr/>
+        <p:txBody>
+          <a:bodyPr/>
+          <a:lstStyle/>
+          <a:p>
+            <a:r>
+              <a:rPr lang="en-US"/>
+              <a:t>Improvement of SSE-RV</a:t>
+            </a:r>
+          </a:p>
+        </p:txBody>
+      </p:sp>
+      <p:sp>
+        <p:nvSpPr>
+          <p:cNvPr id="3" name="Content Placeholder 2">
+            <a:extLst>
+              <a:ext uri="{FF2B5EF4-FFF2-40B4-BE49-F238E27FC236}">
+                <a16:creationId xmlns:a16="http://schemas.microsoft.com/office/drawing/2014/main" id="{CED5B1D7-7963-4DB3-C655-FF8052151C21}"/>
+              </a:ext>
+            </a:extLst>
+          </p:cNvPr>
+          <p:cNvSpPr>
+            <a:spLocks noGrp="1"/>
+          </p:cNvSpPr>
+          <p:nvPr>
+            <p:ph idx="1"/>
+          </p:nvPr>
+        </p:nvSpPr>
+        <p:spPr/>
+        <p:txBody>
+          <a:bodyPr/>
+          <a:lstStyle/>
+          <a:p>
+            <a:r>
+              <a:rPr lang="en-US"/>
+              <a:t>Read Majid’s SSE-RV paper to understand the original taint initialization scheme.</a:t>
+            </a:r>
+          </a:p>
+          <a:p>
+            <a:r>
+              <a:rPr lang="en-US"/>
+              <a:t>An “</a:t>
+            </a:r>
+            <a:r>
+              <a:rPr lang="en-US" err="1"/>
+              <a:t>overtainting</a:t>
+            </a:r>
+            <a:r>
+              <a:rPr lang="en-US"/>
+              <a:t>” issue is in Majid’s SSE-RV source code at /home/</a:t>
+            </a:r>
+            <a:r>
+              <a:rPr lang="en-US" err="1"/>
+              <a:t>majid</a:t>
+            </a:r>
+            <a:r>
+              <a:rPr lang="en-US"/>
+              <a:t>/</a:t>
+            </a:r>
+            <a:r>
+              <a:rPr lang="en-US" err="1"/>
+              <a:t>unified_MajidSabbagh_PhD</a:t>
+            </a:r>
+            <a:r>
+              <a:rPr lang="en-US"/>
+              <a:t> under SSE-RV/</a:t>
+            </a:r>
+            <a:r>
+              <a:rPr lang="en-US" err="1"/>
+              <a:t>SonicBoom</a:t>
+            </a:r>
+            <a:endParaRPr lang="en-US"/>
+          </a:p>
+          <a:p>
+            <a:pPr lvl="1"/>
+            <a:r>
+              <a:rPr lang="en-US"/>
+              <a:t>In his code, all speculative instructions’ destination registers are tainted. </a:t>
+            </a:r>
+          </a:p>
+          <a:p>
+            <a:pPr lvl="1"/>
+            <a:r>
+              <a:rPr lang="en-US"/>
+              <a:t>It is too aggressive because only speculative load instructions can steal secret from memory</a:t>
+            </a:r>
+          </a:p>
+          <a:p>
+            <a:r>
+              <a:rPr lang="en-US"/>
+              <a:t>One improvement is restricting the taint initialization only to speculative load instructions</a:t>
+            </a:r>
+          </a:p>
+          <a:p>
+            <a:pPr lvl="1"/>
+            <a:r>
+              <a:rPr lang="en-US"/>
+              <a:t>Find the BOOM core with this improvement at: TBD</a:t>
+            </a:r>
+          </a:p>
+        </p:txBody>
+      </p:sp>
+      <p:pic>
+        <p:nvPicPr>
+          <p:cNvPr id="8" name="Picture 7">
+            <a:extLst>
+              <a:ext uri="{FF2B5EF4-FFF2-40B4-BE49-F238E27FC236}">
+                <a16:creationId xmlns:a16="http://schemas.microsoft.com/office/drawing/2014/main" id="{C7F19F57-89CC-49F7-E6AA-25761FB75A0E}"/>
+              </a:ext>
+            </a:extLst>
+          </p:cNvPr>
+          <p:cNvPicPr>
+            <a:picLocks noChangeAspect="1"/>
+          </p:cNvPicPr>
+          <p:nvPr/>
+        </p:nvPicPr>
+        <p:blipFill>
+          <a:blip r:embed="rId2"/>
+          <a:stretch>
+            <a:fillRect/>
+          </a:stretch>
+        </p:blipFill>
+        <p:spPr>
+          <a:xfrm>
+            <a:off x="8155527" y="5194168"/>
+            <a:ext cx="3475588" cy="1515948"/>
+          </a:xfrm>
+          <a:prstGeom prst="rect">
+            <a:avLst/>
+          </a:prstGeom>
+        </p:spPr>
+      </p:pic>
+    </p:spTree>
+    <p:extLst>
+      <p:ext uri="{BB962C8B-B14F-4D97-AF65-F5344CB8AC3E}">
+        <p14:creationId xmlns:p14="http://schemas.microsoft.com/office/powerpoint/2010/main" val="3965613347"/>
+      </p:ext>
+    </p:extLst>
+  </p:cSld>
+  <p:clrMapOvr>
+    <a:masterClrMapping/>
+  </p:clrMapOvr>
+</p:sld>
+</file>
+
+<file path=ppt/slides/slide23.xml><?xml version="1.0" encoding="utf-8"?>
+<p:sld xmlns:a="http://schemas.openxmlformats.org/drawingml/2006/main" xmlns:r="http://schemas.openxmlformats.org/officeDocument/2006/relationships" xmlns:p="http://schemas.openxmlformats.org/presentationml/2006/main">
+  <p:cSld>
+    <p:spTree>
+      <p:nvGrpSpPr>
+        <p:cNvPr id="1" name=""/>
+        <p:cNvGrpSpPr/>
+        <p:nvPr/>
+      </p:nvGrpSpPr>
+      <p:grpSpPr>
+        <a:xfrm>
+          <a:off x="0" y="0"/>
+          <a:ext cx="0" cy="0"/>
+          <a:chOff x="0" y="0"/>
+          <a:chExt cx="0" cy="0"/>
+        </a:xfrm>
+      </p:grpSpPr>
+      <p:sp>
+        <p:nvSpPr>
+          <p:cNvPr id="2" name="Title 1">
+            <a:extLst>
+              <a:ext uri="{FF2B5EF4-FFF2-40B4-BE49-F238E27FC236}">
+                <a16:creationId xmlns:a16="http://schemas.microsoft.com/office/drawing/2014/main" id="{73CA548E-CD04-B02A-76C5-FA9880C97B41}"/>
+              </a:ext>
+            </a:extLst>
+          </p:cNvPr>
+          <p:cNvSpPr>
+            <a:spLocks noGrp="1"/>
+          </p:cNvSpPr>
+          <p:nvPr>
+            <p:ph type="title"/>
+          </p:nvPr>
+        </p:nvSpPr>
+        <p:spPr/>
+        <p:txBody>
+          <a:bodyPr/>
+          <a:lstStyle/>
+          <a:p>
+            <a:r>
+              <a:rPr lang="en-US"/>
+              <a:t>Improvement of SSE-RV</a:t>
+            </a:r>
+          </a:p>
+        </p:txBody>
+      </p:sp>
+      <p:sp>
+        <p:nvSpPr>
+          <p:cNvPr id="3" name="Content Placeholder 2">
+            <a:extLst>
+              <a:ext uri="{FF2B5EF4-FFF2-40B4-BE49-F238E27FC236}">
+                <a16:creationId xmlns:a16="http://schemas.microsoft.com/office/drawing/2014/main" id="{9860A222-1FD4-54C4-CBEF-97D81CB5B8D5}"/>
+              </a:ext>
+            </a:extLst>
+          </p:cNvPr>
+          <p:cNvSpPr>
+            <a:spLocks noGrp="1"/>
+          </p:cNvSpPr>
+          <p:nvPr>
+            <p:ph idx="1"/>
+          </p:nvPr>
+        </p:nvSpPr>
+        <p:spPr/>
+        <p:txBody>
+          <a:bodyPr/>
+          <a:lstStyle/>
+          <a:p>
+            <a:r>
+              <a:rPr lang="en-US"/>
+              <a:t>Read Majid’s SSE-RV paper to understand the original untainting scheme.</a:t>
+            </a:r>
+          </a:p>
+          <a:p>
+            <a:r>
+              <a:rPr lang="en-US"/>
+              <a:t>An “</a:t>
+            </a:r>
+            <a:r>
+              <a:rPr lang="en-US" err="1"/>
+              <a:t>overuntainting</a:t>
+            </a:r>
+            <a:r>
+              <a:rPr lang="en-US"/>
+              <a:t>” issue is SSE-RV </a:t>
+            </a:r>
+            <a:r>
+              <a:rPr lang="en-US" err="1"/>
+              <a:t>untaints</a:t>
+            </a:r>
+            <a:r>
+              <a:rPr lang="en-US"/>
+              <a:t> all registers when any speculative access instruction passes speculative status </a:t>
+            </a:r>
+          </a:p>
+          <a:p>
+            <a:r>
+              <a:rPr lang="en-US"/>
+              <a:t>Instructions remain speculative may be accidently marked as safe</a:t>
+            </a:r>
+          </a:p>
+          <a:p>
+            <a:endParaRPr lang="en-US"/>
+          </a:p>
+        </p:txBody>
+      </p:sp>
+      <p:pic>
+        <p:nvPicPr>
+          <p:cNvPr id="4" name="Picture 3">
+            <a:extLst>
+              <a:ext uri="{FF2B5EF4-FFF2-40B4-BE49-F238E27FC236}">
+                <a16:creationId xmlns:a16="http://schemas.microsoft.com/office/drawing/2014/main" id="{B620DB9C-4B70-C3FA-FDC1-4F4047C93741}"/>
+              </a:ext>
+            </a:extLst>
+          </p:cNvPr>
+          <p:cNvPicPr>
+            <a:picLocks noChangeAspect="1"/>
+          </p:cNvPicPr>
+          <p:nvPr/>
+        </p:nvPicPr>
+        <p:blipFill>
+          <a:blip r:embed="rId2"/>
+          <a:stretch>
+            <a:fillRect/>
+          </a:stretch>
+        </p:blipFill>
+        <p:spPr>
+          <a:xfrm>
+            <a:off x="1004576" y="4317664"/>
+            <a:ext cx="3810330" cy="1926503"/>
+          </a:xfrm>
+          <a:prstGeom prst="rect">
+            <a:avLst/>
+          </a:prstGeom>
+        </p:spPr>
+      </p:pic>
+      <p:pic>
+        <p:nvPicPr>
+          <p:cNvPr id="5" name="Picture 4">
+            <a:extLst>
+              <a:ext uri="{FF2B5EF4-FFF2-40B4-BE49-F238E27FC236}">
+                <a16:creationId xmlns:a16="http://schemas.microsoft.com/office/drawing/2014/main" id="{EEAFFB43-4B80-D89F-9E4D-CD266710E422}"/>
+              </a:ext>
+            </a:extLst>
+          </p:cNvPr>
+          <p:cNvPicPr>
+            <a:picLocks noChangeAspect="1"/>
+          </p:cNvPicPr>
+          <p:nvPr/>
+        </p:nvPicPr>
+        <p:blipFill rotWithShape="1">
+          <a:blip r:embed="rId3"/>
+          <a:srcRect r="28856"/>
+          <a:stretch/>
+        </p:blipFill>
+        <p:spPr>
+          <a:xfrm>
+            <a:off x="5528520" y="4253698"/>
+            <a:ext cx="4529880" cy="1772525"/>
+          </a:xfrm>
+          <a:prstGeom prst="rect">
+            <a:avLst/>
+          </a:prstGeom>
+        </p:spPr>
+      </p:pic>
+    </p:spTree>
+    <p:extLst>
+      <p:ext uri="{BB962C8B-B14F-4D97-AF65-F5344CB8AC3E}">
+        <p14:creationId xmlns:p14="http://schemas.microsoft.com/office/powerpoint/2010/main" val="1425596901"/>
+      </p:ext>
+    </p:extLst>
+  </p:cSld>
+  <p:clrMapOvr>
+    <a:masterClrMapping/>
+  </p:clrMapOvr>
+</p:sld>
+</file>
+
+<file path=ppt/slides/slide24.xml><?xml version="1.0" encoding="utf-8"?>
+<p:sld xmlns:a="http://schemas.openxmlformats.org/drawingml/2006/main" xmlns:r="http://schemas.openxmlformats.org/officeDocument/2006/relationships" xmlns:p="http://schemas.openxmlformats.org/presentationml/2006/main">
+  <p:cSld>
+    <p:spTree>
+      <p:nvGrpSpPr>
+        <p:cNvPr id="1" name=""/>
+        <p:cNvGrpSpPr/>
+        <p:nvPr/>
+      </p:nvGrpSpPr>
+      <p:grpSpPr>
+        <a:xfrm>
+          <a:off x="0" y="0"/>
+          <a:ext cx="0" cy="0"/>
+          <a:chOff x="0" y="0"/>
+          <a:chExt cx="0" cy="0"/>
+        </a:xfrm>
+      </p:grpSpPr>
+      <p:sp>
+        <p:nvSpPr>
+          <p:cNvPr id="2" name="Title 1">
+            <a:extLst>
+              <a:ext uri="{FF2B5EF4-FFF2-40B4-BE49-F238E27FC236}">
+                <a16:creationId xmlns:a16="http://schemas.microsoft.com/office/drawing/2014/main" id="{2BE4747F-0093-89D9-BD7C-456F8E770FF8}"/>
+              </a:ext>
+            </a:extLst>
+          </p:cNvPr>
+          <p:cNvSpPr>
+            <a:spLocks noGrp="1"/>
+          </p:cNvSpPr>
+          <p:nvPr>
+            <p:ph type="title"/>
+          </p:nvPr>
+        </p:nvSpPr>
+        <p:spPr/>
+        <p:txBody>
+          <a:bodyPr/>
+          <a:lstStyle/>
+          <a:p>
+            <a:r>
+              <a:rPr lang="en-US"/>
+              <a:t>Improvement of SSE-RV</a:t>
+            </a:r>
+          </a:p>
+        </p:txBody>
+      </p:sp>
+      <p:sp>
+        <p:nvSpPr>
+          <p:cNvPr id="3" name="Content Placeholder 2">
+            <a:extLst>
+              <a:ext uri="{FF2B5EF4-FFF2-40B4-BE49-F238E27FC236}">
+                <a16:creationId xmlns:a16="http://schemas.microsoft.com/office/drawing/2014/main" id="{B6D24568-2FFA-59FE-3A52-F7A3E64F4CD4}"/>
+              </a:ext>
+            </a:extLst>
+          </p:cNvPr>
+          <p:cNvSpPr>
+            <a:spLocks noGrp="1"/>
+          </p:cNvSpPr>
+          <p:nvPr>
+            <p:ph idx="1"/>
+          </p:nvPr>
+        </p:nvSpPr>
+        <p:spPr/>
+        <p:txBody>
+          <a:bodyPr/>
+          <a:lstStyle/>
+          <a:p>
+            <a:r>
+              <a:rPr lang="en-US"/>
+              <a:t>One improvement is we can now specifically </a:t>
+            </a:r>
+            <a:r>
+              <a:rPr lang="en-US" err="1"/>
+              <a:t>untaint</a:t>
+            </a:r>
+            <a:r>
+              <a:rPr lang="en-US"/>
+              <a:t> the destination registers of individual instructions</a:t>
+            </a:r>
+          </a:p>
+          <a:p>
+            <a:pPr lvl="1"/>
+            <a:r>
+              <a:rPr lang="en-US"/>
+              <a:t>We build connections between reorder buffer (ROB) and register file</a:t>
+            </a:r>
+          </a:p>
+          <a:p>
+            <a:pPr lvl="1"/>
+            <a:r>
+              <a:rPr lang="en-US"/>
+              <a:t>We check the speculative status for each in-flight instruction at runtime</a:t>
+            </a:r>
+          </a:p>
+          <a:p>
+            <a:pPr lvl="1"/>
+            <a:r>
+              <a:rPr lang="en-US"/>
+              <a:t>Track the destination registers of instructions that passed speculative status and </a:t>
+            </a:r>
+            <a:r>
+              <a:rPr lang="en-US" err="1"/>
+              <a:t>untaint</a:t>
+            </a:r>
+            <a:r>
+              <a:rPr lang="en-US"/>
+              <a:t> them</a:t>
+            </a:r>
+          </a:p>
+          <a:p>
+            <a:pPr lvl="1"/>
+            <a:endParaRPr lang="en-US"/>
+          </a:p>
+          <a:p>
+            <a:pPr marL="457200" lvl="1" indent="0">
+              <a:buNone/>
+            </a:pPr>
+            <a:endParaRPr lang="en-US"/>
+          </a:p>
+          <a:p>
+            <a:pPr marL="457200" lvl="1" indent="0">
+              <a:buNone/>
+            </a:pPr>
+            <a:endParaRPr lang="en-US"/>
+          </a:p>
+          <a:p>
+            <a:r>
+              <a:rPr lang="en-US"/>
+              <a:t>Find the BOOM core with this improvement at: TBD </a:t>
+            </a:r>
+          </a:p>
+        </p:txBody>
+      </p:sp>
+      <p:pic>
+        <p:nvPicPr>
+          <p:cNvPr id="4" name="Picture 3">
+            <a:extLst>
+              <a:ext uri="{FF2B5EF4-FFF2-40B4-BE49-F238E27FC236}">
+                <a16:creationId xmlns:a16="http://schemas.microsoft.com/office/drawing/2014/main" id="{74340721-5214-7362-263C-FA97CB9B07A2}"/>
+              </a:ext>
+            </a:extLst>
+          </p:cNvPr>
+          <p:cNvPicPr>
+            <a:picLocks noChangeAspect="1"/>
+          </p:cNvPicPr>
+          <p:nvPr/>
+        </p:nvPicPr>
+        <p:blipFill>
+          <a:blip r:embed="rId2"/>
+          <a:stretch>
+            <a:fillRect/>
+          </a:stretch>
+        </p:blipFill>
+        <p:spPr>
+          <a:xfrm>
+            <a:off x="3624673" y="3902697"/>
+            <a:ext cx="2688747" cy="1292131"/>
+          </a:xfrm>
+          <a:prstGeom prst="rect">
+            <a:avLst/>
+          </a:prstGeom>
+        </p:spPr>
+      </p:pic>
+      <p:pic>
+        <p:nvPicPr>
+          <p:cNvPr id="5" name="Picture 4">
+            <a:extLst>
+              <a:ext uri="{FF2B5EF4-FFF2-40B4-BE49-F238E27FC236}">
+                <a16:creationId xmlns:a16="http://schemas.microsoft.com/office/drawing/2014/main" id="{57ACEE69-DB76-71A0-0010-37A411AE2C29}"/>
+              </a:ext>
+            </a:extLst>
+          </p:cNvPr>
+          <p:cNvPicPr>
+            <a:picLocks noChangeAspect="1"/>
+          </p:cNvPicPr>
+          <p:nvPr/>
+        </p:nvPicPr>
+        <p:blipFill>
+          <a:blip r:embed="rId3"/>
+          <a:stretch>
+            <a:fillRect/>
+          </a:stretch>
+        </p:blipFill>
+        <p:spPr>
+          <a:xfrm>
+            <a:off x="6784761" y="3902697"/>
+            <a:ext cx="4298053" cy="1371719"/>
+          </a:xfrm>
+          <a:prstGeom prst="rect">
+            <a:avLst/>
+          </a:prstGeom>
+        </p:spPr>
+      </p:pic>
+    </p:spTree>
+    <p:extLst>
+      <p:ext uri="{BB962C8B-B14F-4D97-AF65-F5344CB8AC3E}">
+        <p14:creationId xmlns:p14="http://schemas.microsoft.com/office/powerpoint/2010/main" val="3526093974"/>
+      </p:ext>
+    </p:extLst>
+  </p:cSld>
+  <p:clrMapOvr>
+    <a:masterClrMapping/>
+  </p:clrMapOvr>
+</p:sld>
+</file>
+
+<file path=ppt/slides/slide25.xml><?xml version="1.0" encoding="utf-8"?>
+<p:sld xmlns:a="http://schemas.openxmlformats.org/drawingml/2006/main" xmlns:r="http://schemas.openxmlformats.org/officeDocument/2006/relationships" xmlns:p="http://schemas.openxmlformats.org/presentationml/2006/main">
+  <p:cSld>
+    <p:spTree>
+      <p:nvGrpSpPr>
+        <p:cNvPr id="1" name=""/>
+        <p:cNvGrpSpPr/>
+        <p:nvPr/>
+      </p:nvGrpSpPr>
+      <p:grpSpPr>
+        <a:xfrm>
+          <a:off x="0" y="0"/>
+          <a:ext cx="0" cy="0"/>
+          <a:chOff x="0" y="0"/>
+          <a:chExt cx="0" cy="0"/>
+        </a:xfrm>
+      </p:grpSpPr>
+      <p:sp>
+        <p:nvSpPr>
+          <p:cNvPr id="2" name="Title 1">
+            <a:extLst>
+              <a:ext uri="{FF2B5EF4-FFF2-40B4-BE49-F238E27FC236}">
+                <a16:creationId xmlns:a16="http://schemas.microsoft.com/office/drawing/2014/main" id="{94D7E0BA-8A81-E394-A88B-F498C4B84BBA}"/>
+              </a:ext>
+            </a:extLst>
+          </p:cNvPr>
+          <p:cNvSpPr>
+            <a:spLocks noGrp="1"/>
+          </p:cNvSpPr>
+          <p:nvPr>
+            <p:ph type="title"/>
+          </p:nvPr>
+        </p:nvSpPr>
+        <p:spPr/>
+        <p:txBody>
+          <a:bodyPr/>
+          <a:lstStyle/>
+          <a:p>
+            <a:r>
+              <a:rPr lang="en-US"/>
+              <a:t>Extended SSE-RV</a:t>
+            </a:r>
+          </a:p>
+        </p:txBody>
+      </p:sp>
+      <p:sp>
+        <p:nvSpPr>
+          <p:cNvPr id="3" name="Content Placeholder 2">
+            <a:extLst>
+              <a:ext uri="{FF2B5EF4-FFF2-40B4-BE49-F238E27FC236}">
+                <a16:creationId xmlns:a16="http://schemas.microsoft.com/office/drawing/2014/main" id="{8ED89B5F-BC78-2990-0E31-C082B8E13848}"/>
+              </a:ext>
+            </a:extLst>
+          </p:cNvPr>
+          <p:cNvSpPr>
+            <a:spLocks noGrp="1"/>
+          </p:cNvSpPr>
+          <p:nvPr>
+            <p:ph idx="1"/>
+          </p:nvPr>
+        </p:nvSpPr>
+        <p:spPr/>
+        <p:txBody>
+          <a:bodyPr/>
+          <a:lstStyle/>
+          <a:p>
+            <a:r>
+              <a:rPr lang="en-US"/>
+              <a:t>Extend the back end protection of SSE-RV </a:t>
+            </a:r>
+          </a:p>
+          <a:p>
+            <a:pPr lvl="1"/>
+            <a:r>
+              <a:rPr lang="en-US"/>
+              <a:t>Current SSE-RV only blocks cache covert channel</a:t>
+            </a:r>
+          </a:p>
+          <a:p>
+            <a:pPr lvl="1"/>
+            <a:r>
+              <a:rPr lang="en-US"/>
+              <a:t>Extended back end protection should be able to thwart port-contention channels</a:t>
+            </a:r>
+          </a:p>
+          <a:p>
+            <a:pPr lvl="1"/>
+            <a:r>
+              <a:rPr lang="en-US"/>
+              <a:t>Current strategy: the contention is originated from a secret-dependent branch, such branch should be blocked from issuing </a:t>
+            </a:r>
+          </a:p>
+          <a:p>
+            <a:pPr lvl="1"/>
+            <a:r>
+              <a:rPr lang="en-US"/>
+              <a:t>Specific implementation: rely on the taint-tracking of SSE-RV, a branch instruction should not be issued util its operands are untainted</a:t>
+            </a:r>
+          </a:p>
+        </p:txBody>
+      </p:sp>
+      <p:pic>
+        <p:nvPicPr>
+          <p:cNvPr id="4" name="Picture 3">
+            <a:extLst>
+              <a:ext uri="{FF2B5EF4-FFF2-40B4-BE49-F238E27FC236}">
+                <a16:creationId xmlns:a16="http://schemas.microsoft.com/office/drawing/2014/main" id="{11FA898A-AD9B-6EBB-693E-873903105D67}"/>
+              </a:ext>
+            </a:extLst>
+          </p:cNvPr>
+          <p:cNvPicPr>
+            <a:picLocks noChangeAspect="1"/>
+          </p:cNvPicPr>
+          <p:nvPr/>
+        </p:nvPicPr>
+        <p:blipFill>
+          <a:blip r:embed="rId2"/>
+          <a:stretch>
+            <a:fillRect/>
+          </a:stretch>
+        </p:blipFill>
+        <p:spPr>
+          <a:xfrm>
+            <a:off x="4455370" y="4887082"/>
+            <a:ext cx="3281259" cy="1424818"/>
+          </a:xfrm>
+          <a:prstGeom prst="rect">
+            <a:avLst/>
+          </a:prstGeom>
+        </p:spPr>
+      </p:pic>
+      <p:sp>
+        <p:nvSpPr>
+          <p:cNvPr id="5" name="Rectangle 4">
+            <a:extLst>
+              <a:ext uri="{FF2B5EF4-FFF2-40B4-BE49-F238E27FC236}">
+                <a16:creationId xmlns:a16="http://schemas.microsoft.com/office/drawing/2014/main" id="{037ABFFB-B175-0E34-3B10-DC89534E4194}"/>
+              </a:ext>
+            </a:extLst>
+          </p:cNvPr>
+          <p:cNvSpPr/>
+          <p:nvPr/>
+        </p:nvSpPr>
+        <p:spPr>
+          <a:xfrm>
+            <a:off x="6345936" y="4956048"/>
+            <a:ext cx="1197864" cy="219456"/>
+          </a:xfrm>
+          <a:prstGeom prst="rect">
+            <a:avLst/>
+          </a:prstGeom>
+          <a:noFill/>
+          <a:ln>
+            <a:solidFill>
+              <a:srgbClr val="FF0000"/>
+            </a:solidFill>
+          </a:ln>
+        </p:spPr>
+        <p:style>
+          <a:lnRef idx="2">
+            <a:schemeClr val="accent1">
+              <a:shade val="50000"/>
+            </a:schemeClr>
+          </a:lnRef>
+          <a:fillRef idx="1">
+            <a:schemeClr val="accent1"/>
+          </a:fillRef>
+          <a:effectRef idx="0">
+            <a:schemeClr val="accent1"/>
+          </a:effectRef>
+          <a:fontRef idx="minor">
+            <a:schemeClr val="lt1"/>
+          </a:fontRef>
+        </p:style>
+        <p:txBody>
+          <a:bodyPr rtlCol="0" anchor="ctr"/>
+          <a:lstStyle/>
+          <a:p>
+            <a:pPr algn="ctr"/>
+            <a:endParaRPr lang="en-US"/>
+          </a:p>
+        </p:txBody>
+      </p:sp>
+      <p:cxnSp>
+        <p:nvCxnSpPr>
+          <p:cNvPr id="7" name="Straight Arrow Connector 6">
+            <a:extLst>
+              <a:ext uri="{FF2B5EF4-FFF2-40B4-BE49-F238E27FC236}">
+                <a16:creationId xmlns:a16="http://schemas.microsoft.com/office/drawing/2014/main" id="{41869DAD-5FEF-6178-F167-FE6E4250E160}"/>
+              </a:ext>
+            </a:extLst>
+          </p:cNvPr>
+          <p:cNvCxnSpPr/>
+          <p:nvPr/>
+        </p:nvCxnSpPr>
+        <p:spPr>
+          <a:xfrm flipH="1" flipV="1">
+            <a:off x="7543800" y="5074920"/>
+            <a:ext cx="603504" cy="283464"/>
+          </a:xfrm>
+          <a:prstGeom prst="straightConnector1">
+            <a:avLst/>
+          </a:prstGeom>
+          <a:ln>
+            <a:solidFill>
+              <a:srgbClr val="FF0000"/>
+            </a:solidFill>
+            <a:tailEnd type="triangle"/>
+          </a:ln>
+        </p:spPr>
+        <p:style>
+          <a:lnRef idx="1">
+            <a:schemeClr val="accent1"/>
+          </a:lnRef>
+          <a:fillRef idx="0">
+            <a:schemeClr val="accent1"/>
+          </a:fillRef>
+          <a:effectRef idx="0">
+            <a:schemeClr val="accent1"/>
+          </a:effectRef>
+          <a:fontRef idx="minor">
+            <a:schemeClr val="tx1"/>
+          </a:fontRef>
+        </p:style>
+      </p:cxnSp>
+      <p:sp>
+        <p:nvSpPr>
+          <p:cNvPr id="8" name="TextBox 7">
+            <a:extLst>
+              <a:ext uri="{FF2B5EF4-FFF2-40B4-BE49-F238E27FC236}">
+                <a16:creationId xmlns:a16="http://schemas.microsoft.com/office/drawing/2014/main" id="{E74DAF3B-B776-C6D7-6361-4B76491F1ACE}"/>
+              </a:ext>
+            </a:extLst>
+          </p:cNvPr>
+          <p:cNvSpPr txBox="1"/>
+          <p:nvPr/>
+        </p:nvSpPr>
+        <p:spPr>
+          <a:xfrm>
+            <a:off x="8147304" y="5241187"/>
+            <a:ext cx="2699004" cy="369332"/>
+          </a:xfrm>
+          <a:prstGeom prst="rect">
+            <a:avLst/>
+          </a:prstGeom>
+          <a:noFill/>
+        </p:spPr>
+        <p:txBody>
+          <a:bodyPr wrap="square" rtlCol="0">
+            <a:spAutoFit/>
+          </a:bodyPr>
+          <a:lstStyle/>
+          <a:p>
+            <a:r>
+              <a:rPr lang="en-US">
+                <a:solidFill>
+                  <a:srgbClr val="FF0000"/>
+                </a:solidFill>
+              </a:rPr>
+              <a:t>Secret-dependent branch</a:t>
+            </a:r>
+          </a:p>
+        </p:txBody>
+      </p:sp>
+    </p:spTree>
+    <p:extLst>
+      <p:ext uri="{BB962C8B-B14F-4D97-AF65-F5344CB8AC3E}">
+        <p14:creationId xmlns:p14="http://schemas.microsoft.com/office/powerpoint/2010/main" val="3304601609"/>
+      </p:ext>
+    </p:extLst>
+  </p:cSld>
+  <p:clrMapOvr>
+    <a:masterClrMapping/>
+  </p:clrMapOvr>
+</p:sld>
+</file>
+
+<file path=ppt/slides/slide26.xml><?xml version="1.0" encoding="utf-8"?>
+<p:sld xmlns:a="http://schemas.openxmlformats.org/drawingml/2006/main" xmlns:r="http://schemas.openxmlformats.org/officeDocument/2006/relationships" xmlns:p="http://schemas.openxmlformats.org/presentationml/2006/main">
+  <p:cSld>
+    <p:spTree>
+      <p:nvGrpSpPr>
+        <p:cNvPr id="1" name=""/>
+        <p:cNvGrpSpPr/>
+        <p:nvPr/>
+      </p:nvGrpSpPr>
+      <p:grpSpPr>
+        <a:xfrm>
+          <a:off x="0" y="0"/>
+          <a:ext cx="0" cy="0"/>
+          <a:chOff x="0" y="0"/>
+          <a:chExt cx="0" cy="0"/>
+        </a:xfrm>
+      </p:grpSpPr>
+      <p:sp>
+        <p:nvSpPr>
+          <p:cNvPr id="2" name="Title 1">
+            <a:extLst>
+              <a:ext uri="{FF2B5EF4-FFF2-40B4-BE49-F238E27FC236}">
+                <a16:creationId xmlns:a16="http://schemas.microsoft.com/office/drawing/2014/main" id="{1FD28B58-FE57-753F-4518-9FB73AD93B97}"/>
+              </a:ext>
+            </a:extLst>
+          </p:cNvPr>
+          <p:cNvSpPr>
+            <a:spLocks noGrp="1"/>
+          </p:cNvSpPr>
+          <p:nvPr>
+            <p:ph type="title"/>
+          </p:nvPr>
+        </p:nvSpPr>
+        <p:spPr/>
+        <p:txBody>
+          <a:bodyPr/>
+          <a:lstStyle/>
+          <a:p>
+            <a:r>
+              <a:rPr lang="en-US"/>
+              <a:t>Extended SSE-RV</a:t>
+            </a:r>
+          </a:p>
+        </p:txBody>
+      </p:sp>
+      <p:sp>
+        <p:nvSpPr>
+          <p:cNvPr id="3" name="Content Placeholder 2">
+            <a:extLst>
+              <a:ext uri="{FF2B5EF4-FFF2-40B4-BE49-F238E27FC236}">
+                <a16:creationId xmlns:a16="http://schemas.microsoft.com/office/drawing/2014/main" id="{F7CB0E9B-AE73-D856-37AF-B7891643493E}"/>
+              </a:ext>
+            </a:extLst>
+          </p:cNvPr>
+          <p:cNvSpPr>
+            <a:spLocks noGrp="1"/>
+          </p:cNvSpPr>
+          <p:nvPr>
+            <p:ph idx="1"/>
+          </p:nvPr>
+        </p:nvSpPr>
+        <p:spPr/>
+        <p:txBody>
+          <a:bodyPr/>
+          <a:lstStyle/>
+          <a:p>
+            <a:r>
+              <a:rPr lang="en-US"/>
+              <a:t>The incomplete source code is in: TBD</a:t>
+            </a:r>
+          </a:p>
+          <a:p>
+            <a:r>
+              <a:rPr lang="en-US"/>
+              <a:t>Further extension: The strategy may also be applied to a “tainted load” to replace global memory fencing of SSE-RV to further improve performance</a:t>
+            </a:r>
+          </a:p>
+          <a:p>
+            <a:pPr lvl="1"/>
+            <a:r>
+              <a:rPr lang="en-US"/>
+              <a:t>Refer to SSE-RV paper to understand the memory fence enforcement </a:t>
+            </a:r>
+          </a:p>
+        </p:txBody>
+      </p:sp>
+    </p:spTree>
+    <p:extLst>
+      <p:ext uri="{BB962C8B-B14F-4D97-AF65-F5344CB8AC3E}">
+        <p14:creationId xmlns:p14="http://schemas.microsoft.com/office/powerpoint/2010/main" val="3343146340"/>
       </p:ext>
     </p:extLst>
   </p:cSld>
@@ -7124,11 +9343,11 @@
           <a:lstStyle/>
           <a:p>
             <a:r>
-              <a:rPr lang="en-US" dirty="0" err="1"/>
+              <a:rPr lang="en-US" err="1"/>
               <a:t>Verilator</a:t>
             </a:r>
             <a:r>
-              <a:rPr lang="en-US" dirty="0"/>
+              <a:rPr lang="en-US"/>
               <a:t> Simulation </a:t>
             </a:r>
           </a:p>
@@ -7158,83 +9377,83 @@
           <a:lstStyle/>
           <a:p>
             <a:r>
-              <a:rPr lang="en-US" dirty="0"/>
+              <a:rPr lang="en-US"/>
               <a:t>Hello world!</a:t>
             </a:r>
           </a:p>
           <a:p>
             <a:pPr lvl="1"/>
             <a:r>
-              <a:rPr lang="en-US" dirty="0"/>
+              <a:rPr lang="en-US"/>
               <a:t>Follow </a:t>
             </a:r>
             <a:r>
-              <a:rPr lang="en-US" dirty="0">
+              <a:rPr lang="en-US">
                 <a:hlinkClick r:id="rId2"/>
               </a:rPr>
               <a:t>https://chipyard.readthedocs.io/en/latest/Chipyard-Basics/Initial-Repo-Setup.html#initial-repository-setup</a:t>
             </a:r>
             <a:r>
-              <a:rPr lang="en-US" dirty="0"/>
+              <a:rPr lang="en-US"/>
               <a:t> to setup the </a:t>
             </a:r>
             <a:r>
-              <a:rPr lang="en-US" dirty="0" err="1"/>
+              <a:rPr lang="en-US" err="1"/>
               <a:t>Chipyard</a:t>
             </a:r>
             <a:r>
-              <a:rPr lang="en-US" dirty="0"/>
+              <a:rPr lang="en-US"/>
               <a:t> environment to run </a:t>
             </a:r>
             <a:r>
-              <a:rPr lang="en-US" dirty="0" err="1"/>
+              <a:rPr lang="en-US" err="1"/>
               <a:t>Verilator</a:t>
             </a:r>
-            <a:endParaRPr lang="en-US" dirty="0"/>
+            <a:endParaRPr lang="en-US"/>
           </a:p>
           <a:p>
             <a:pPr lvl="1"/>
             <a:r>
-              <a:rPr lang="en-US" dirty="0"/>
+              <a:rPr lang="en-US"/>
               <a:t>Compile a </a:t>
             </a:r>
             <a:r>
-              <a:rPr lang="en-US" dirty="0" err="1"/>
+              <a:rPr lang="en-US" err="1"/>
               <a:t>SmallBoomConfig</a:t>
             </a:r>
             <a:r>
-              <a:rPr lang="en-US" dirty="0"/>
+              <a:rPr lang="en-US"/>
               <a:t> on </a:t>
             </a:r>
             <a:r>
-              <a:rPr lang="en-US" dirty="0" err="1"/>
+              <a:rPr lang="en-US" err="1"/>
               <a:t>Verilator</a:t>
             </a:r>
             <a:r>
-              <a:rPr lang="en-US" dirty="0"/>
+              <a:rPr lang="en-US"/>
               <a:t> </a:t>
             </a:r>
           </a:p>
           <a:p>
             <a:pPr lvl="2"/>
             <a:r>
-              <a:rPr lang="en-US" dirty="0"/>
+              <a:rPr lang="en-US"/>
               <a:t>Go to </a:t>
             </a:r>
             <a:r>
-              <a:rPr lang="en-US" dirty="0" err="1"/>
+              <a:rPr lang="en-US" err="1"/>
               <a:t>chipyard</a:t>
             </a:r>
             <a:r>
-              <a:rPr lang="en-US" dirty="0"/>
+              <a:rPr lang="en-US"/>
               <a:t>/sims/</a:t>
             </a:r>
             <a:r>
-              <a:rPr lang="en-US" dirty="0" err="1"/>
+              <a:rPr lang="en-US" err="1"/>
               <a:t>verilator</a:t>
             </a:r>
             <a:r>
-              <a:rPr lang="en-US" dirty="0"/>
+              <a:rPr lang="en-US"/>
               <a:t>, then </a:t>
             </a:r>
           </a:p>
@@ -7242,73 +9461,73 @@
             <a:pPr marL="457200" lvl="1" indent="0">
               <a:buNone/>
             </a:pPr>
-            <a:endParaRPr lang="en-US" dirty="0"/>
+            <a:endParaRPr lang="en-US"/>
           </a:p>
           <a:p>
             <a:pPr lvl="1"/>
             <a:r>
-              <a:rPr lang="en-US" dirty="0"/>
+              <a:rPr lang="en-US"/>
               <a:t>Create a </a:t>
             </a:r>
             <a:r>
-              <a:rPr lang="en-US" dirty="0" err="1"/>
+              <a:rPr lang="en-US" err="1"/>
               <a:t>hello.c</a:t>
             </a:r>
-            <a:endParaRPr lang="en-US" dirty="0"/>
+            <a:endParaRPr lang="en-US"/>
           </a:p>
           <a:p>
             <a:pPr lvl="1"/>
             <a:r>
-              <a:rPr lang="en-US" dirty="0"/>
+              <a:rPr lang="en-US"/>
               <a:t>Compile </a:t>
             </a:r>
             <a:r>
-              <a:rPr lang="en-US" dirty="0" err="1"/>
+              <a:rPr lang="en-US" err="1"/>
               <a:t>hello.c</a:t>
             </a:r>
             <a:r>
-              <a:rPr lang="en-US" dirty="0"/>
+              <a:rPr lang="en-US"/>
               <a:t> using the riscv64-unknown-elf-gcc in </a:t>
             </a:r>
             <a:r>
-              <a:rPr lang="en-US" dirty="0" err="1"/>
+              <a:rPr lang="en-US" err="1"/>
               <a:t>chipyard</a:t>
             </a:r>
             <a:r>
-              <a:rPr lang="en-US" dirty="0"/>
+              <a:rPr lang="en-US"/>
               <a:t>/</a:t>
             </a:r>
             <a:r>
-              <a:rPr lang="en-US" dirty="0" err="1"/>
+              <a:rPr lang="en-US" err="1"/>
               <a:t>riscv</a:t>
             </a:r>
             <a:r>
-              <a:rPr lang="en-US" dirty="0"/>
+              <a:rPr lang="en-US"/>
               <a:t>-tools-install/bin</a:t>
             </a:r>
           </a:p>
           <a:p>
             <a:pPr lvl="1"/>
             <a:r>
-              <a:rPr lang="en-US" dirty="0"/>
+              <a:rPr lang="en-US"/>
               <a:t>Run </a:t>
             </a:r>
             <a:r>
-              <a:rPr lang="en-US" dirty="0" err="1"/>
+              <a:rPr lang="en-US" err="1"/>
               <a:t>Verilator</a:t>
             </a:r>
             <a:r>
-              <a:rPr lang="en-US" dirty="0"/>
+              <a:rPr lang="en-US"/>
               <a:t> </a:t>
             </a:r>
           </a:p>
           <a:p>
             <a:pPr lvl="1"/>
-            <a:endParaRPr lang="en-US" dirty="0"/>
+            <a:endParaRPr lang="en-US"/>
           </a:p>
           <a:p>
             <a:pPr lvl="1"/>
-            <a:endParaRPr lang="en-US" dirty="0"/>
+            <a:endParaRPr lang="en-US"/>
           </a:p>
         </p:txBody>
       </p:sp>
@@ -7431,7 +9650,7 @@
           <a:lstStyle/>
           <a:p>
             <a:r>
-              <a:rPr lang="en-US" dirty="0"/>
+              <a:rPr lang="en-US"/>
               <a:t>1)</a:t>
             </a:r>
           </a:p>
@@ -7466,7 +9685,7 @@
           <a:lstStyle/>
           <a:p>
             <a:r>
-              <a:rPr lang="en-US" dirty="0"/>
+              <a:rPr lang="en-US"/>
               <a:t>2)</a:t>
             </a:r>
           </a:p>
@@ -7614,11 +9833,11 @@
           <a:lstStyle/>
           <a:p>
             <a:r>
-              <a:rPr lang="en-US" dirty="0" err="1"/>
+              <a:rPr lang="en-US" err="1"/>
               <a:t>Verilator</a:t>
             </a:r>
             <a:r>
-              <a:rPr lang="en-US" dirty="0"/>
+              <a:rPr lang="en-US"/>
               <a:t> Simulation </a:t>
             </a:r>
           </a:p>
@@ -7646,89 +9865,89 @@
           <a:lstStyle/>
           <a:p>
             <a:r>
-              <a:rPr lang="en-US" dirty="0" err="1"/>
+              <a:rPr lang="en-US" err="1"/>
               <a:t>Spectre</a:t>
             </a:r>
             <a:r>
-              <a:rPr lang="en-US" dirty="0"/>
+              <a:rPr lang="en-US"/>
               <a:t> V1 attack example </a:t>
             </a:r>
           </a:p>
           <a:p>
             <a:pPr lvl="1"/>
             <a:r>
-              <a:rPr lang="en-US" dirty="0"/>
+              <a:rPr lang="en-US"/>
               <a:t>Understand the </a:t>
             </a:r>
             <a:r>
-              <a:rPr lang="en-US" dirty="0" err="1"/>
+              <a:rPr lang="en-US" err="1"/>
               <a:t>Spectre</a:t>
             </a:r>
             <a:r>
-              <a:rPr lang="en-US" dirty="0"/>
+              <a:rPr lang="en-US"/>
               <a:t> V1 code in </a:t>
             </a:r>
             <a:r>
-              <a:rPr lang="en-US" dirty="0">
+              <a:rPr lang="en-US">
                 <a:hlinkClick r:id="rId2"/>
               </a:rPr>
               <a:t>https://github.com/sabbaghm/boom-attacks</a:t>
             </a:r>
             <a:r>
-              <a:rPr lang="en-US" dirty="0"/>
+              <a:rPr lang="en-US"/>
               <a:t> </a:t>
             </a:r>
           </a:p>
           <a:p>
             <a:pPr lvl="1"/>
             <a:r>
-              <a:rPr lang="en-US" dirty="0"/>
+              <a:rPr lang="en-US"/>
               <a:t>Compile </a:t>
             </a:r>
             <a:r>
-              <a:rPr lang="en-US" dirty="0" err="1"/>
+              <a:rPr lang="en-US" err="1"/>
               <a:t>Spectre</a:t>
             </a:r>
             <a:r>
-              <a:rPr lang="en-US" dirty="0"/>
+              <a:rPr lang="en-US"/>
               <a:t> V1 </a:t>
             </a:r>
           </a:p>
           <a:p>
             <a:pPr lvl="1"/>
-            <a:endParaRPr lang="en-US" dirty="0"/>
+            <a:endParaRPr lang="en-US"/>
           </a:p>
           <a:p>
             <a:pPr lvl="1"/>
             <a:r>
-              <a:rPr lang="en-US" dirty="0"/>
+              <a:rPr lang="en-US"/>
               <a:t>Perform </a:t>
             </a:r>
             <a:r>
-              <a:rPr lang="en-US" dirty="0" err="1"/>
+              <a:rPr lang="en-US" err="1"/>
               <a:t>Spectre</a:t>
             </a:r>
             <a:r>
-              <a:rPr lang="en-US" dirty="0"/>
+              <a:rPr lang="en-US"/>
               <a:t> V1 attack on </a:t>
             </a:r>
             <a:r>
-              <a:rPr lang="en-US" dirty="0" err="1"/>
+              <a:rPr lang="en-US" err="1"/>
               <a:t>SonicBOOM</a:t>
             </a:r>
-            <a:endParaRPr lang="en-US" dirty="0"/>
+            <a:endParaRPr lang="en-US"/>
           </a:p>
           <a:p>
             <a:pPr lvl="1"/>
-            <a:endParaRPr lang="en-US" dirty="0"/>
+            <a:endParaRPr lang="en-US"/>
           </a:p>
           <a:p>
             <a:pPr lvl="1"/>
-            <a:endParaRPr lang="en-US" dirty="0"/>
+            <a:endParaRPr lang="en-US"/>
           </a:p>
           <a:p>
             <a:pPr lvl="1"/>
-            <a:endParaRPr lang="en-US" dirty="0"/>
+            <a:endParaRPr lang="en-US"/>
           </a:p>
         </p:txBody>
       </p:sp>
@@ -7956,7 +10175,7 @@
           <a:lstStyle/>
           <a:p>
             <a:r>
-              <a:rPr lang="en-US" dirty="0">
+              <a:rPr lang="en-US">
                 <a:solidFill>
                   <a:srgbClr val="FF0000"/>
                 </a:solidFill>
@@ -8063,11 +10282,11 @@
           <a:lstStyle/>
           <a:p>
             <a:r>
-              <a:rPr lang="en-US" dirty="0" err="1"/>
+              <a:rPr lang="en-US" err="1"/>
               <a:t>Verilator</a:t>
             </a:r>
             <a:r>
-              <a:rPr lang="en-US" dirty="0"/>
+              <a:rPr lang="en-US"/>
               <a:t> Simulation </a:t>
             </a:r>
           </a:p>
@@ -8095,75 +10314,75 @@
           <a:lstStyle/>
           <a:p>
             <a:r>
-              <a:rPr lang="en-US" dirty="0"/>
+              <a:rPr lang="en-US"/>
               <a:t>Configure your own BOOM -- SSE-RV example</a:t>
             </a:r>
           </a:p>
           <a:p>
             <a:r>
-              <a:rPr lang="en-US" dirty="0"/>
+              <a:rPr lang="en-US"/>
               <a:t>Find the SSE-RV protected BOOM core in Sequoia server /home/</a:t>
             </a:r>
             <a:r>
-              <a:rPr lang="en-US" dirty="0" err="1"/>
+              <a:rPr lang="en-US" err="1"/>
               <a:t>majid</a:t>
             </a:r>
             <a:r>
-              <a:rPr lang="en-US" dirty="0"/>
+              <a:rPr lang="en-US"/>
               <a:t>/</a:t>
             </a:r>
             <a:r>
-              <a:rPr lang="en-US" dirty="0" err="1"/>
+              <a:rPr lang="en-US" err="1"/>
               <a:t>unified_MajidSabbagh_PhD</a:t>
             </a:r>
             <a:r>
-              <a:rPr lang="en-US" dirty="0"/>
+              <a:rPr lang="en-US"/>
               <a:t> under SSE-RV/</a:t>
             </a:r>
             <a:r>
-              <a:rPr lang="en-US" dirty="0" err="1"/>
+              <a:rPr lang="en-US" err="1"/>
               <a:t>SonicBoom</a:t>
             </a:r>
-            <a:endParaRPr lang="en-US" dirty="0"/>
-          </a:p>
-          <a:p>
-            <a:r>
-              <a:rPr lang="en-US" dirty="0"/>
+            <a:endParaRPr lang="en-US"/>
+          </a:p>
+          <a:p>
+            <a:r>
+              <a:rPr lang="en-US"/>
               <a:t>Go to </a:t>
             </a:r>
             <a:r>
-              <a:rPr lang="en-US" dirty="0" err="1"/>
+              <a:rPr lang="en-US" err="1"/>
               <a:t>chipyard</a:t>
             </a:r>
             <a:r>
-              <a:rPr lang="en-US" dirty="0"/>
+              <a:rPr lang="en-US"/>
               <a:t>/generators/boom/</a:t>
             </a:r>
             <a:r>
-              <a:rPr lang="en-US" dirty="0" err="1"/>
+              <a:rPr lang="en-US" err="1"/>
               <a:t>src</a:t>
             </a:r>
             <a:r>
-              <a:rPr lang="en-US" dirty="0"/>
+              <a:rPr lang="en-US"/>
               <a:t>/main/</a:t>
             </a:r>
             <a:r>
-              <a:rPr lang="en-US" dirty="0" err="1"/>
+              <a:rPr lang="en-US" err="1"/>
               <a:t>scala</a:t>
             </a:r>
             <a:r>
-              <a:rPr lang="en-US" dirty="0"/>
+              <a:rPr lang="en-US"/>
               <a:t> </a:t>
             </a:r>
           </a:p>
           <a:p>
             <a:pPr lvl="1"/>
-            <a:endParaRPr lang="en-US" dirty="0"/>
+            <a:endParaRPr lang="en-US"/>
           </a:p>
           <a:p>
             <a:pPr lvl="1"/>
             <a:r>
-              <a:rPr lang="en-US" dirty="0"/>
+              <a:rPr lang="en-US"/>
               <a:t>Modify the Chisel source codes based on SSE-RV BOOM core</a:t>
             </a:r>
           </a:p>
@@ -8171,7 +10390,7 @@
             <a:pPr marL="457200" lvl="1" indent="0">
               <a:buNone/>
             </a:pPr>
-            <a:endParaRPr lang="en-US" dirty="0"/>
+            <a:endParaRPr lang="en-US"/>
           </a:p>
         </p:txBody>
       </p:sp>
@@ -8294,7 +10513,7 @@
           <a:lstStyle/>
           <a:p>
             <a:r>
-              <a:rPr lang="en-US" dirty="0"/>
+              <a:rPr lang="en-US"/>
               <a:t>Original: </a:t>
             </a:r>
           </a:p>
@@ -8329,7 +10548,7 @@
           <a:lstStyle/>
           <a:p>
             <a:r>
-              <a:rPr lang="en-US" dirty="0"/>
+              <a:rPr lang="en-US"/>
               <a:t>SSE-RV: </a:t>
             </a:r>
           </a:p>
@@ -8394,7 +10613,7 @@
           <a:lstStyle/>
           <a:p>
             <a:r>
-              <a:rPr lang="en-US" dirty="0"/>
+              <a:rPr lang="en-US"/>
               <a:t>Involved files</a:t>
             </a:r>
           </a:p>
@@ -8452,11 +10671,11 @@
           <a:lstStyle/>
           <a:p>
             <a:r>
-              <a:rPr lang="en-US" dirty="0" err="1"/>
+              <a:rPr lang="en-US" err="1"/>
               <a:t>Verilator</a:t>
             </a:r>
             <a:r>
-              <a:rPr lang="en-US" dirty="0"/>
+              <a:rPr lang="en-US"/>
               <a:t> Simulation </a:t>
             </a:r>
           </a:p>
@@ -8484,58 +10703,58 @@
           <a:lstStyle/>
           <a:p>
             <a:r>
-              <a:rPr lang="en-US" dirty="0"/>
+              <a:rPr lang="en-US"/>
               <a:t>Configure your own BOOM -- SSE-RV example</a:t>
             </a:r>
           </a:p>
           <a:p>
             <a:r>
-              <a:rPr lang="en-US" dirty="0"/>
+              <a:rPr lang="en-US"/>
               <a:t>Source env.sh and compile a </a:t>
             </a:r>
             <a:r>
-              <a:rPr lang="en-US" dirty="0" err="1"/>
+              <a:rPr lang="en-US" err="1"/>
               <a:t>SmallBoomConfig</a:t>
             </a:r>
-            <a:endParaRPr lang="en-US" dirty="0"/>
-          </a:p>
-          <a:p>
-            <a:r>
-              <a:rPr lang="en-US" dirty="0"/>
+            <a:endParaRPr lang="en-US"/>
+          </a:p>
+          <a:p>
+            <a:r>
+              <a:rPr lang="en-US"/>
               <a:t>Test SSE-RV, you should see </a:t>
             </a:r>
           </a:p>
           <a:p>
             <a:pPr lvl="1"/>
             <a:r>
-              <a:rPr lang="en-US" dirty="0"/>
+              <a:rPr lang="en-US"/>
               <a:t>Hello world runs correctly </a:t>
             </a:r>
           </a:p>
           <a:p>
             <a:pPr lvl="1"/>
-            <a:endParaRPr lang="en-US" dirty="0"/>
+            <a:endParaRPr lang="en-US"/>
           </a:p>
           <a:p>
             <a:pPr marL="457200" lvl="1" indent="0">
               <a:buNone/>
             </a:pPr>
-            <a:endParaRPr lang="en-US" dirty="0"/>
+            <a:endParaRPr lang="en-US"/>
           </a:p>
           <a:p>
             <a:pPr lvl="1"/>
             <a:r>
-              <a:rPr lang="en-US" dirty="0" err="1"/>
+              <a:rPr lang="en-US" err="1"/>
               <a:t>Spectre</a:t>
             </a:r>
             <a:r>
-              <a:rPr lang="en-US" dirty="0"/>
+              <a:rPr lang="en-US"/>
               <a:t> V1 is mitigated </a:t>
             </a:r>
           </a:p>
           <a:p>
             <a:pPr lvl="1"/>
-            <a:endParaRPr lang="en-US" dirty="0"/>
+            <a:endParaRPr lang="en-US"/>
           </a:p>
         </p:txBody>
       </p:sp>
@@ -8734,7 +10953,7 @@
           <a:lstStyle/>
           <a:p>
             <a:r>
-              <a:rPr lang="en-US" dirty="0">
+              <a:rPr lang="en-US">
                 <a:solidFill>
                   <a:srgbClr val="FF0000"/>
                 </a:solidFill>
@@ -8840,11 +11059,11 @@
           <a:lstStyle/>
           <a:p>
             <a:r>
-              <a:rPr lang="en-US" dirty="0" err="1"/>
+              <a:rPr lang="en-US" err="1"/>
               <a:t>Verilator</a:t>
             </a:r>
             <a:r>
-              <a:rPr lang="en-US" dirty="0"/>
+              <a:rPr lang="en-US"/>
               <a:t> Simulation </a:t>
             </a:r>
           </a:p>
@@ -8872,105 +11091,105 @@
           <a:lstStyle/>
           <a:p>
             <a:r>
-              <a:rPr lang="en-US" sz="2400" dirty="0"/>
+              <a:rPr lang="en-US" sz="2400"/>
               <a:t>Debug example -- cycle-by-cycle log </a:t>
             </a:r>
           </a:p>
           <a:p>
             <a:r>
-              <a:rPr lang="en-US" sz="2400" dirty="0"/>
+              <a:rPr lang="en-US" sz="2400"/>
               <a:t>In </a:t>
             </a:r>
             <a:r>
-              <a:rPr lang="en-US" sz="2400" dirty="0" err="1"/>
+              <a:rPr lang="en-US" sz="2400" err="1"/>
               <a:t>core.scala</a:t>
             </a:r>
             <a:r>
-              <a:rPr lang="en-US" sz="2400" dirty="0"/>
+              <a:rPr lang="en-US" sz="2400"/>
               <a:t>, add the following </a:t>
             </a:r>
             <a:r>
-              <a:rPr lang="en-US" sz="2400" dirty="0" err="1"/>
+              <a:rPr lang="en-US" sz="2400" err="1"/>
               <a:t>printfs</a:t>
             </a:r>
             <a:r>
-              <a:rPr lang="en-US" sz="2400" dirty="0"/>
+              <a:rPr lang="en-US" sz="2400"/>
               <a:t> to the </a:t>
             </a:r>
             <a:r>
-              <a:rPr lang="en-US" sz="2400" i="1" dirty="0"/>
+              <a:rPr lang="en-US" sz="2400" i="1"/>
               <a:t>Handle Cycle-by-Cycle Printouts</a:t>
             </a:r>
             <a:r>
-              <a:rPr lang="en-US" sz="2400" dirty="0"/>
+              <a:rPr lang="en-US" sz="2400"/>
               <a:t> section</a:t>
             </a:r>
           </a:p>
           <a:p>
-            <a:endParaRPr lang="en-US" sz="2400" dirty="0"/>
-          </a:p>
-          <a:p>
-            <a:endParaRPr lang="en-US" sz="2400" dirty="0"/>
-          </a:p>
-          <a:p>
-            <a:r>
-              <a:rPr lang="en-US" sz="2400" dirty="0"/>
+            <a:endParaRPr lang="en-US" sz="2400"/>
+          </a:p>
+          <a:p>
+            <a:endParaRPr lang="en-US" sz="2400"/>
+          </a:p>
+          <a:p>
+            <a:r>
+              <a:rPr lang="en-US" sz="2400"/>
               <a:t>Compile a </a:t>
             </a:r>
             <a:r>
-              <a:rPr lang="en-US" sz="2400" dirty="0" err="1"/>
+              <a:rPr lang="en-US" sz="2400" err="1"/>
               <a:t>SmallBoomConfig</a:t>
             </a:r>
             <a:r>
-              <a:rPr lang="en-US" sz="2400" dirty="0"/>
+              <a:rPr lang="en-US" sz="2400"/>
               <a:t> with debug enabled</a:t>
             </a:r>
           </a:p>
           <a:p>
             <a:r>
-              <a:rPr lang="en-US" sz="2400" dirty="0"/>
+              <a:rPr lang="en-US" sz="2400"/>
               <a:t>Simulate hello world using the newly configured simulator-</a:t>
             </a:r>
             <a:r>
-              <a:rPr lang="en-US" sz="2400" dirty="0" err="1"/>
+              <a:rPr lang="en-US" sz="2400" err="1"/>
               <a:t>chipyard</a:t>
             </a:r>
             <a:r>
-              <a:rPr lang="en-US" sz="2400" dirty="0"/>
+              <a:rPr lang="en-US" sz="2400"/>
               <a:t>-</a:t>
             </a:r>
             <a:r>
-              <a:rPr lang="en-US" sz="2400" dirty="0" err="1"/>
+              <a:rPr lang="en-US" sz="2400" err="1"/>
               <a:t>SmallBoomConfig</a:t>
             </a:r>
             <a:r>
-              <a:rPr lang="en-US" sz="2400" dirty="0"/>
+              <a:rPr lang="en-US" sz="2400"/>
               <a:t>-debug</a:t>
             </a:r>
           </a:p>
           <a:p>
             <a:pPr lvl="1"/>
-            <a:endParaRPr lang="en-US" sz="2000" dirty="0"/>
+            <a:endParaRPr lang="en-US" sz="2000"/>
           </a:p>
           <a:p>
             <a:pPr lvl="1"/>
-            <a:endParaRPr lang="en-US" dirty="0"/>
+            <a:endParaRPr lang="en-US"/>
           </a:p>
           <a:p>
             <a:pPr lvl="1"/>
-            <a:endParaRPr lang="en-US" dirty="0"/>
-          </a:p>
-          <a:p>
-            <a:endParaRPr lang="en-US" dirty="0"/>
-          </a:p>
-          <a:p>
-            <a:endParaRPr lang="en-US" dirty="0"/>
-          </a:p>
-          <a:p>
-            <a:endParaRPr lang="en-US" dirty="0"/>
-          </a:p>
-          <a:p>
-            <a:endParaRPr lang="en-US" dirty="0"/>
+            <a:endParaRPr lang="en-US"/>
+          </a:p>
+          <a:p>
+            <a:endParaRPr lang="en-US"/>
+          </a:p>
+          <a:p>
+            <a:endParaRPr lang="en-US"/>
+          </a:p>
+          <a:p>
+            <a:endParaRPr lang="en-US"/>
+          </a:p>
+          <a:p>
+            <a:endParaRPr lang="en-US"/>
           </a:p>
         </p:txBody>
       </p:sp>
@@ -9153,7 +11372,7 @@
           <a:lstStyle/>
           <a:p>
             <a:r>
-              <a:rPr lang="en-US" dirty="0"/>
+              <a:rPr lang="en-US"/>
               <a:t>hello.log:</a:t>
             </a:r>
           </a:p>
@@ -9211,7 +11430,7 @@
           <a:lstStyle/>
           <a:p>
             <a:r>
-              <a:rPr lang="en-US" dirty="0"/>
+              <a:rPr lang="en-US"/>
               <a:t>Original BOOM SoC</a:t>
             </a:r>
           </a:p>
@@ -9239,52 +11458,52 @@
           <a:lstStyle/>
           <a:p>
             <a:r>
-              <a:rPr lang="en-US" dirty="0"/>
+              <a:rPr lang="en-US"/>
               <a:t>Find the Xilinx Genesys-2 FPGA board in ISEC room463c</a:t>
             </a:r>
           </a:p>
           <a:p>
             <a:pPr lvl="1"/>
             <a:r>
-              <a:rPr lang="en-US" dirty="0"/>
+              <a:rPr lang="en-US"/>
               <a:t>Power up the board and connect both USB and UART ports with a computer</a:t>
             </a:r>
           </a:p>
           <a:p>
             <a:r>
-              <a:rPr lang="en-US" dirty="0"/>
+              <a:rPr lang="en-US"/>
               <a:t>Go to </a:t>
             </a:r>
             <a:r>
-              <a:rPr lang="en-US" dirty="0">
+              <a:rPr lang="en-US">
                 <a:hlinkClick r:id="rId2"/>
               </a:rPr>
               <a:t>https://github.com/eugene-tarassov/vivado-risc-v</a:t>
             </a:r>
             <a:r>
-              <a:rPr lang="en-US" dirty="0"/>
+              <a:rPr lang="en-US"/>
               <a:t> and follow the steps to program Genesys-2 with original BOOM-based SoC</a:t>
             </a:r>
           </a:p>
           <a:p>
             <a:pPr lvl="1"/>
             <a:r>
-              <a:rPr lang="en-US" dirty="0"/>
+              <a:rPr lang="en-US"/>
               <a:t>You can skip “Prepare the SD card” since there is already a card prepared</a:t>
             </a:r>
           </a:p>
           <a:p>
             <a:pPr lvl="1"/>
             <a:r>
-              <a:rPr lang="en-US" dirty="0"/>
+              <a:rPr lang="en-US"/>
               <a:t>Xilinx </a:t>
             </a:r>
             <a:r>
-              <a:rPr lang="en-US" dirty="0" err="1"/>
+              <a:rPr lang="en-US" err="1"/>
               <a:t>Vivado</a:t>
             </a:r>
             <a:r>
-              <a:rPr lang="en-US" dirty="0"/>
+              <a:rPr lang="en-US"/>
               <a:t> is installed in 463c server</a:t>
             </a:r>
           </a:p>
@@ -9401,7 +11620,7 @@
           <a:lstStyle/>
           <a:p>
             <a:r>
-              <a:rPr lang="en-US" dirty="0"/>
+              <a:rPr lang="en-US"/>
               <a:t>Original BOOM SoC</a:t>
             </a:r>
           </a:p>
@@ -9431,104 +11650,104 @@
           <a:lstStyle/>
           <a:p>
             <a:r>
-              <a:rPr lang="en-US" dirty="0"/>
+              <a:rPr lang="en-US"/>
               <a:t>Login to the Debian system running on the FPGA board</a:t>
             </a:r>
           </a:p>
           <a:p>
             <a:pPr lvl="1"/>
             <a:r>
-              <a:rPr lang="en-US" dirty="0"/>
+              <a:rPr lang="en-US"/>
               <a:t>Through UART: </a:t>
             </a:r>
             <a:r>
-              <a:rPr lang="en-US" dirty="0" err="1"/>
+              <a:rPr lang="en-US" err="1"/>
               <a:t>sudo</a:t>
             </a:r>
             <a:r>
-              <a:rPr lang="en-US" dirty="0"/>
+              <a:rPr lang="en-US"/>
               <a:t> </a:t>
             </a:r>
             <a:r>
-              <a:rPr lang="en-US" dirty="0" err="1"/>
+              <a:rPr lang="en-US" err="1"/>
               <a:t>miniterm</a:t>
             </a:r>
             <a:r>
-              <a:rPr lang="en-US" dirty="0"/>
+              <a:rPr lang="en-US"/>
               <a:t> /dev/</a:t>
             </a:r>
             <a:r>
-              <a:rPr lang="en-US" dirty="0" err="1"/>
+              <a:rPr lang="en-US" err="1"/>
               <a:t>ttyUSB</a:t>
             </a:r>
             <a:r>
-              <a:rPr lang="en-US" dirty="0"/>
+              <a:rPr lang="en-US"/>
               <a:t>* 115200</a:t>
             </a:r>
           </a:p>
           <a:p>
             <a:pPr lvl="1"/>
             <a:r>
-              <a:rPr lang="en-US" dirty="0"/>
+              <a:rPr lang="en-US"/>
               <a:t>Through SSH: </a:t>
             </a:r>
             <a:r>
-              <a:rPr lang="en-US" dirty="0" err="1"/>
+              <a:rPr lang="en-US" err="1"/>
               <a:t>ssh</a:t>
             </a:r>
             <a:r>
-              <a:rPr lang="en-US" dirty="0"/>
+              <a:rPr lang="en-US"/>
               <a:t> </a:t>
             </a:r>
             <a:r>
-              <a:rPr lang="en-US" dirty="0" err="1"/>
+              <a:rPr lang="en-US" err="1"/>
               <a:t>debian@ipFPGA</a:t>
             </a:r>
             <a:r>
-              <a:rPr lang="en-US" dirty="0"/>
+              <a:rPr lang="en-US"/>
               <a:t> or </a:t>
             </a:r>
             <a:r>
-              <a:rPr lang="en-US" dirty="0" err="1"/>
+              <a:rPr lang="en-US" err="1"/>
               <a:t>ssh</a:t>
             </a:r>
             <a:r>
-              <a:rPr lang="en-US" dirty="0"/>
+              <a:rPr lang="en-US"/>
               <a:t> </a:t>
             </a:r>
             <a:r>
-              <a:rPr lang="en-US" dirty="0" err="1"/>
+              <a:rPr lang="en-US" err="1"/>
               <a:t>root@ipFPGA</a:t>
             </a:r>
-            <a:endParaRPr lang="en-US" dirty="0"/>
+            <a:endParaRPr lang="en-US"/>
           </a:p>
           <a:p>
             <a:pPr lvl="1"/>
             <a:r>
-              <a:rPr lang="en-US" dirty="0"/>
+              <a:rPr lang="en-US"/>
               <a:t>Username/password: </a:t>
             </a:r>
             <a:r>
-              <a:rPr lang="en-US" dirty="0" err="1"/>
+              <a:rPr lang="en-US" err="1"/>
               <a:t>debian</a:t>
             </a:r>
             <a:r>
-              <a:rPr lang="en-US" dirty="0"/>
+              <a:rPr lang="en-US"/>
               <a:t>/</a:t>
             </a:r>
             <a:r>
-              <a:rPr lang="en-US" dirty="0" err="1"/>
+              <a:rPr lang="en-US" err="1"/>
               <a:t>debian</a:t>
             </a:r>
             <a:r>
-              <a:rPr lang="en-US" dirty="0"/>
+              <a:rPr lang="en-US"/>
               <a:t> or root/root</a:t>
             </a:r>
           </a:p>
           <a:p>
             <a:pPr lvl="1"/>
             <a:r>
-              <a:rPr lang="en-US" dirty="0" err="1">
+              <a:rPr lang="en-US" err="1">
                 <a:solidFill>
                   <a:srgbClr val="FF0000"/>
                 </a:solidFill>
@@ -9536,7 +11755,7 @@
               <a:t>Uart</a:t>
             </a:r>
             <a:r>
-              <a:rPr lang="en-US" dirty="0">
+              <a:rPr lang="en-US">
                 <a:solidFill>
                   <a:srgbClr val="FF0000"/>
                 </a:solidFill>
@@ -9546,81 +11765,81 @@
           </a:p>
           <a:p>
             <a:r>
-              <a:rPr lang="en-US" dirty="0"/>
+              <a:rPr lang="en-US"/>
               <a:t>Hello world!</a:t>
             </a:r>
           </a:p>
           <a:p>
             <a:pPr lvl="1"/>
             <a:r>
-              <a:rPr lang="en-US" dirty="0"/>
+              <a:rPr lang="en-US"/>
               <a:t>Create a hello world c code on Debian </a:t>
             </a:r>
           </a:p>
           <a:p>
             <a:pPr lvl="1"/>
             <a:r>
-              <a:rPr lang="en-US" dirty="0"/>
+              <a:rPr lang="en-US"/>
               <a:t>Compile it using </a:t>
             </a:r>
             <a:r>
-              <a:rPr lang="en-US" dirty="0" err="1"/>
+              <a:rPr lang="en-US" err="1"/>
               <a:t>gcc</a:t>
             </a:r>
             <a:r>
-              <a:rPr lang="en-US" dirty="0"/>
+              <a:rPr lang="en-US"/>
               <a:t> and run the compiled executable</a:t>
             </a:r>
           </a:p>
           <a:p>
             <a:r>
-              <a:rPr lang="en-US" dirty="0"/>
+              <a:rPr lang="en-US"/>
               <a:t>Run </a:t>
             </a:r>
             <a:r>
-              <a:rPr lang="en-US" dirty="0" err="1"/>
+              <a:rPr lang="en-US" err="1"/>
               <a:t>Spectre</a:t>
             </a:r>
             <a:r>
-              <a:rPr lang="en-US" dirty="0"/>
+              <a:rPr lang="en-US"/>
               <a:t> attacks on FPGA</a:t>
             </a:r>
           </a:p>
           <a:p>
             <a:pPr lvl="1"/>
             <a:r>
-              <a:rPr lang="en-US" dirty="0"/>
+              <a:rPr lang="en-US"/>
               <a:t>The FPGA-version of </a:t>
             </a:r>
             <a:r>
-              <a:rPr lang="en-US" dirty="0" err="1"/>
+              <a:rPr lang="en-US" err="1"/>
               <a:t>Spectre</a:t>
             </a:r>
             <a:r>
-              <a:rPr lang="en-US" dirty="0"/>
+              <a:rPr lang="en-US"/>
               <a:t> attacks are slightly different from the </a:t>
             </a:r>
             <a:r>
-              <a:rPr lang="en-US" dirty="0" err="1"/>
+              <a:rPr lang="en-US" err="1"/>
               <a:t>Verilator</a:t>
             </a:r>
             <a:r>
-              <a:rPr lang="en-US" dirty="0"/>
+              <a:rPr lang="en-US"/>
               <a:t>-version and can be found at: </a:t>
             </a:r>
             <a:r>
-              <a:rPr lang="en-US" dirty="0">
+              <a:rPr lang="en-US">
                 <a:hlinkClick r:id="rId2"/>
               </a:rPr>
               <a:t>https://github.com/sabbaghm/sonicboom-attacks</a:t>
             </a:r>
             <a:r>
-              <a:rPr lang="en-US" dirty="0"/>
+              <a:rPr lang="en-US"/>
               <a:t> </a:t>
             </a:r>
           </a:p>
           <a:p>
-            <a:endParaRPr lang="en-US" dirty="0"/>
+            <a:endParaRPr lang="en-US"/>
           </a:p>
         </p:txBody>
       </p:sp>

--- a/RISC-V Tutorial.pptx
+++ b/RISC-V Tutorial.pptx
@@ -140,7 +140,7 @@
 <file path=ppt/revisionInfo.xml><?xml version="1.0" encoding="utf-8"?>
 <p1510:revInfo xmlns:a="http://schemas.openxmlformats.org/drawingml/2006/main" xmlns:r="http://schemas.openxmlformats.org/officeDocument/2006/relationships" xmlns:p1510="http://schemas.microsoft.com/office/powerpoint/2015/10/main">
   <p1510:revLst>
-    <p1510:client id="{7A91DF83-BBCE-4B84-91B0-8CDFA84504BA}" v="128" dt="2022-09-29T16:56:28.424"/>
+    <p1510:client id="{7A91DF83-BBCE-4B84-91B0-8CDFA84504BA}" v="599" dt="2022-09-30T23:00:42.687"/>
   </p1510:revLst>
 </p1510:revInfo>
 </file>
@@ -967,7 +967,7 @@
   <pc:docChgLst>
     <pc:chgData name="Zhang, Zhiming" userId="3c9d1221-ac5f-4fde-9a6d-56e20c8fdb89" providerId="ADAL" clId="{7A91DF83-BBCE-4B84-91B0-8CDFA84504BA}"/>
     <pc:docChg chg="undo custSel addSld modSld">
-      <pc:chgData name="Zhang, Zhiming" userId="3c9d1221-ac5f-4fde-9a6d-56e20c8fdb89" providerId="ADAL" clId="{7A91DF83-BBCE-4B84-91B0-8CDFA84504BA}" dt="2022-09-29T16:56:28.424" v="5146" actId="20577"/>
+      <pc:chgData name="Zhang, Zhiming" userId="3c9d1221-ac5f-4fde-9a6d-56e20c8fdb89" providerId="ADAL" clId="{7A91DF83-BBCE-4B84-91B0-8CDFA84504BA}" dt="2022-09-30T23:00:42.687" v="5617" actId="1076"/>
       <pc:docMkLst>
         <pc:docMk/>
       </pc:docMkLst>
@@ -1553,19 +1553,150 @@
         </pc:picChg>
       </pc:sldChg>
       <pc:sldChg chg="modSp mod">
-        <pc:chgData name="Zhang, Zhiming" userId="3c9d1221-ac5f-4fde-9a6d-56e20c8fdb89" providerId="ADAL" clId="{7A91DF83-BBCE-4B84-91B0-8CDFA84504BA}" dt="2022-09-22T18:07:04.376" v="3651" actId="5793"/>
+        <pc:chgData name="Zhang, Zhiming" userId="3c9d1221-ac5f-4fde-9a6d-56e20c8fdb89" providerId="ADAL" clId="{7A91DF83-BBCE-4B84-91B0-8CDFA84504BA}" dt="2022-09-30T22:39:48.491" v="5301" actId="1076"/>
+        <pc:sldMkLst>
+          <pc:docMk/>
+          <pc:sldMk cId="1110986409" sldId="273"/>
+        </pc:sldMkLst>
+        <pc:spChg chg="mod">
+          <ac:chgData name="Zhang, Zhiming" userId="3c9d1221-ac5f-4fde-9a6d-56e20c8fdb89" providerId="ADAL" clId="{7A91DF83-BBCE-4B84-91B0-8CDFA84504BA}" dt="2022-09-30T22:39:27.410" v="5300" actId="20577"/>
+          <ac:spMkLst>
+            <pc:docMk/>
+            <pc:sldMk cId="1110986409" sldId="273"/>
+            <ac:spMk id="3" creationId="{E695E6D6-1AB1-AD80-CEF8-33FBD3A7880F}"/>
+          </ac:spMkLst>
+        </pc:spChg>
+        <pc:picChg chg="mod">
+          <ac:chgData name="Zhang, Zhiming" userId="3c9d1221-ac5f-4fde-9a6d-56e20c8fdb89" providerId="ADAL" clId="{7A91DF83-BBCE-4B84-91B0-8CDFA84504BA}" dt="2022-09-30T22:39:48.491" v="5301" actId="1076"/>
+          <ac:picMkLst>
+            <pc:docMk/>
+            <pc:sldMk cId="1110986409" sldId="273"/>
+            <ac:picMk id="4" creationId="{78B4F4AF-F784-A6B7-E5AF-77E8671FD758}"/>
+          </ac:picMkLst>
+        </pc:picChg>
+      </pc:sldChg>
+      <pc:sldChg chg="modSp mod">
+        <pc:chgData name="Zhang, Zhiming" userId="3c9d1221-ac5f-4fde-9a6d-56e20c8fdb89" providerId="ADAL" clId="{7A91DF83-BBCE-4B84-91B0-8CDFA84504BA}" dt="2022-09-30T23:00:42.687" v="5617" actId="1076"/>
+        <pc:sldMkLst>
+          <pc:docMk/>
+          <pc:sldMk cId="2637232185" sldId="274"/>
+        </pc:sldMkLst>
+        <pc:spChg chg="mod">
+          <ac:chgData name="Zhang, Zhiming" userId="3c9d1221-ac5f-4fde-9a6d-56e20c8fdb89" providerId="ADAL" clId="{7A91DF83-BBCE-4B84-91B0-8CDFA84504BA}" dt="2022-09-30T23:00:21.307" v="5616" actId="20577"/>
+          <ac:spMkLst>
+            <pc:docMk/>
+            <pc:sldMk cId="2637232185" sldId="274"/>
+            <ac:spMk id="3" creationId="{61CA59ED-B5E9-5BB7-6494-6B4BABEA6BC0}"/>
+          </ac:spMkLst>
+        </pc:spChg>
+        <pc:picChg chg="mod">
+          <ac:chgData name="Zhang, Zhiming" userId="3c9d1221-ac5f-4fde-9a6d-56e20c8fdb89" providerId="ADAL" clId="{7A91DF83-BBCE-4B84-91B0-8CDFA84504BA}" dt="2022-09-30T23:00:42.687" v="5617" actId="1076"/>
+          <ac:picMkLst>
+            <pc:docMk/>
+            <pc:sldMk cId="2637232185" sldId="274"/>
+            <ac:picMk id="6" creationId="{F0F113A9-21E9-B413-25E8-6D7457E80877}"/>
+          </ac:picMkLst>
+        </pc:picChg>
+        <pc:picChg chg="mod">
+          <ac:chgData name="Zhang, Zhiming" userId="3c9d1221-ac5f-4fde-9a6d-56e20c8fdb89" providerId="ADAL" clId="{7A91DF83-BBCE-4B84-91B0-8CDFA84504BA}" dt="2022-09-30T22:41:11.926" v="5360" actId="1076"/>
+          <ac:picMkLst>
+            <pc:docMk/>
+            <pc:sldMk cId="2637232185" sldId="274"/>
+            <ac:picMk id="7" creationId="{5F4EAC38-2A5E-154A-39F1-A24419A2809F}"/>
+          </ac:picMkLst>
+        </pc:picChg>
+      </pc:sldChg>
+      <pc:sldChg chg="modSp mod">
+        <pc:chgData name="Zhang, Zhiming" userId="3c9d1221-ac5f-4fde-9a6d-56e20c8fdb89" providerId="ADAL" clId="{7A91DF83-BBCE-4B84-91B0-8CDFA84504BA}" dt="2022-09-30T22:41:54.590" v="5404" actId="1036"/>
+        <pc:sldMkLst>
+          <pc:docMk/>
+          <pc:sldMk cId="2047625754" sldId="275"/>
+        </pc:sldMkLst>
+        <pc:spChg chg="mod">
+          <ac:chgData name="Zhang, Zhiming" userId="3c9d1221-ac5f-4fde-9a6d-56e20c8fdb89" providerId="ADAL" clId="{7A91DF83-BBCE-4B84-91B0-8CDFA84504BA}" dt="2022-09-30T22:41:43.839" v="5379"/>
+          <ac:spMkLst>
+            <pc:docMk/>
+            <pc:sldMk cId="2047625754" sldId="275"/>
+            <ac:spMk id="3" creationId="{918CA981-B74A-41D4-024A-6A7899797C92}"/>
+          </ac:spMkLst>
+        </pc:spChg>
+        <pc:picChg chg="mod">
+          <ac:chgData name="Zhang, Zhiming" userId="3c9d1221-ac5f-4fde-9a6d-56e20c8fdb89" providerId="ADAL" clId="{7A91DF83-BBCE-4B84-91B0-8CDFA84504BA}" dt="2022-09-30T22:41:54.590" v="5404" actId="1036"/>
+          <ac:picMkLst>
+            <pc:docMk/>
+            <pc:sldMk cId="2047625754" sldId="275"/>
+            <ac:picMk id="4" creationId="{8D949EAE-9062-52F7-555D-046C04F2EAA5}"/>
+          </ac:picMkLst>
+        </pc:picChg>
+      </pc:sldChg>
+      <pc:sldChg chg="modSp mod">
+        <pc:chgData name="Zhang, Zhiming" userId="3c9d1221-ac5f-4fde-9a6d-56e20c8fdb89" providerId="ADAL" clId="{7A91DF83-BBCE-4B84-91B0-8CDFA84504BA}" dt="2022-09-30T22:42:17.343" v="5427" actId="20577"/>
         <pc:sldMkLst>
           <pc:docMk/>
           <pc:sldMk cId="918675807" sldId="276"/>
         </pc:sldMkLst>
         <pc:spChg chg="mod">
-          <ac:chgData name="Zhang, Zhiming" userId="3c9d1221-ac5f-4fde-9a6d-56e20c8fdb89" providerId="ADAL" clId="{7A91DF83-BBCE-4B84-91B0-8CDFA84504BA}" dt="2022-09-22T18:07:04.376" v="3651" actId="5793"/>
+          <ac:chgData name="Zhang, Zhiming" userId="3c9d1221-ac5f-4fde-9a6d-56e20c8fdb89" providerId="ADAL" clId="{7A91DF83-BBCE-4B84-91B0-8CDFA84504BA}" dt="2022-09-30T22:42:17.343" v="5427" actId="20577"/>
           <ac:spMkLst>
             <pc:docMk/>
             <pc:sldMk cId="918675807" sldId="276"/>
             <ac:spMk id="3" creationId="{CCCC0786-724A-66DC-0E08-094BA69C66F1}"/>
           </ac:spMkLst>
         </pc:spChg>
+      </pc:sldChg>
+      <pc:sldChg chg="modSp mod">
+        <pc:chgData name="Zhang, Zhiming" userId="3c9d1221-ac5f-4fde-9a6d-56e20c8fdb89" providerId="ADAL" clId="{7A91DF83-BBCE-4B84-91B0-8CDFA84504BA}" dt="2022-09-30T22:45:12.545" v="5498" actId="1076"/>
+        <pc:sldMkLst>
+          <pc:docMk/>
+          <pc:sldMk cId="3965613347" sldId="277"/>
+        </pc:sldMkLst>
+        <pc:spChg chg="mod">
+          <ac:chgData name="Zhang, Zhiming" userId="3c9d1221-ac5f-4fde-9a6d-56e20c8fdb89" providerId="ADAL" clId="{7A91DF83-BBCE-4B84-91B0-8CDFA84504BA}" dt="2022-09-30T22:44:57.674" v="5495" actId="20577"/>
+          <ac:spMkLst>
+            <pc:docMk/>
+            <pc:sldMk cId="3965613347" sldId="277"/>
+            <ac:spMk id="3" creationId="{CED5B1D7-7963-4DB3-C655-FF8052151C21}"/>
+          </ac:spMkLst>
+        </pc:spChg>
+        <pc:picChg chg="mod">
+          <ac:chgData name="Zhang, Zhiming" userId="3c9d1221-ac5f-4fde-9a6d-56e20c8fdb89" providerId="ADAL" clId="{7A91DF83-BBCE-4B84-91B0-8CDFA84504BA}" dt="2022-09-30T22:45:12.545" v="5498" actId="1076"/>
+          <ac:picMkLst>
+            <pc:docMk/>
+            <pc:sldMk cId="3965613347" sldId="277"/>
+            <ac:picMk id="8" creationId="{C7F19F57-89CC-49F7-E6AA-25761FB75A0E}"/>
+          </ac:picMkLst>
+        </pc:picChg>
+      </pc:sldChg>
+      <pc:sldChg chg="modSp mod">
+        <pc:chgData name="Zhang, Zhiming" userId="3c9d1221-ac5f-4fde-9a6d-56e20c8fdb89" providerId="ADAL" clId="{7A91DF83-BBCE-4B84-91B0-8CDFA84504BA}" dt="2022-09-30T22:46:14.277" v="5549" actId="1035"/>
+        <pc:sldMkLst>
+          <pc:docMk/>
+          <pc:sldMk cId="3526093974" sldId="279"/>
+        </pc:sldMkLst>
+        <pc:spChg chg="mod">
+          <ac:chgData name="Zhang, Zhiming" userId="3c9d1221-ac5f-4fde-9a6d-56e20c8fdb89" providerId="ADAL" clId="{7A91DF83-BBCE-4B84-91B0-8CDFA84504BA}" dt="2022-09-30T22:45:58.204" v="5541" actId="20577"/>
+          <ac:spMkLst>
+            <pc:docMk/>
+            <pc:sldMk cId="3526093974" sldId="279"/>
+            <ac:spMk id="3" creationId="{B6D24568-2FFA-59FE-3A52-F7A3E64F4CD4}"/>
+          </ac:spMkLst>
+        </pc:spChg>
+        <pc:picChg chg="mod">
+          <ac:chgData name="Zhang, Zhiming" userId="3c9d1221-ac5f-4fde-9a6d-56e20c8fdb89" providerId="ADAL" clId="{7A91DF83-BBCE-4B84-91B0-8CDFA84504BA}" dt="2022-09-30T22:46:14.277" v="5549" actId="1035"/>
+          <ac:picMkLst>
+            <pc:docMk/>
+            <pc:sldMk cId="3526093974" sldId="279"/>
+            <ac:picMk id="4" creationId="{74340721-5214-7362-263C-FA97CB9B07A2}"/>
+          </ac:picMkLst>
+        </pc:picChg>
+        <pc:picChg chg="mod">
+          <ac:chgData name="Zhang, Zhiming" userId="3c9d1221-ac5f-4fde-9a6d-56e20c8fdb89" providerId="ADAL" clId="{7A91DF83-BBCE-4B84-91B0-8CDFA84504BA}" dt="2022-09-30T22:46:14.277" v="5549" actId="1035"/>
+          <ac:picMkLst>
+            <pc:docMk/>
+            <pc:sldMk cId="3526093974" sldId="279"/>
+            <ac:picMk id="5" creationId="{57ACEE69-DB76-71A0-0010-37A411AE2C29}"/>
+          </ac:picMkLst>
+        </pc:picChg>
       </pc:sldChg>
       <pc:sldChg chg="addSp modSp new mod">
         <pc:chgData name="Zhang, Zhiming" userId="3c9d1221-ac5f-4fde-9a6d-56e20c8fdb89" providerId="ADAL" clId="{7A91DF83-BBCE-4B84-91B0-8CDFA84504BA}" dt="2022-09-29T13:54:30.038" v="4700" actId="207"/>
@@ -1623,7 +1754,7 @@
         </pc:cxnChg>
       </pc:sldChg>
       <pc:sldChg chg="modSp new mod">
-        <pc:chgData name="Zhang, Zhiming" userId="3c9d1221-ac5f-4fde-9a6d-56e20c8fdb89" providerId="ADAL" clId="{7A91DF83-BBCE-4B84-91B0-8CDFA84504BA}" dt="2022-09-29T16:56:28.424" v="5146" actId="20577"/>
+        <pc:chgData name="Zhang, Zhiming" userId="3c9d1221-ac5f-4fde-9a6d-56e20c8fdb89" providerId="ADAL" clId="{7A91DF83-BBCE-4B84-91B0-8CDFA84504BA}" dt="2022-09-30T22:46:52.377" v="5576" actId="20577"/>
         <pc:sldMkLst>
           <pc:docMk/>
           <pc:sldMk cId="3343146340" sldId="281"/>
@@ -1637,7 +1768,7 @@
           </ac:spMkLst>
         </pc:spChg>
         <pc:spChg chg="mod">
-          <ac:chgData name="Zhang, Zhiming" userId="3c9d1221-ac5f-4fde-9a6d-56e20c8fdb89" providerId="ADAL" clId="{7A91DF83-BBCE-4B84-91B0-8CDFA84504BA}" dt="2022-09-29T16:56:28.424" v="5146" actId="20577"/>
+          <ac:chgData name="Zhang, Zhiming" userId="3c9d1221-ac5f-4fde-9a6d-56e20c8fdb89" providerId="ADAL" clId="{7A91DF83-BBCE-4B84-91B0-8CDFA84504BA}" dt="2022-09-30T22:46:52.377" v="5576" actId="20577"/>
           <ac:spMkLst>
             <pc:docMk/>
             <pc:sldMk cId="3343146340" sldId="281"/>
@@ -1797,7 +1928,7 @@
           <a:p>
             <a:fld id="{257A1F3F-CCDE-46B3-96FB-3C637929CC5F}" type="datetimeFigureOut">
               <a:rPr lang="en-US" smtClean="0"/>
-              <a:t>9/29/2022</a:t>
+              <a:t>9/30/2022</a:t>
             </a:fld>
             <a:endParaRPr lang="en-US"/>
           </a:p>
@@ -1995,7 +2126,7 @@
           <a:p>
             <a:fld id="{257A1F3F-CCDE-46B3-96FB-3C637929CC5F}" type="datetimeFigureOut">
               <a:rPr lang="en-US" smtClean="0"/>
-              <a:t>9/29/2022</a:t>
+              <a:t>9/30/2022</a:t>
             </a:fld>
             <a:endParaRPr lang="en-US"/>
           </a:p>
@@ -2203,7 +2334,7 @@
           <a:p>
             <a:fld id="{257A1F3F-CCDE-46B3-96FB-3C637929CC5F}" type="datetimeFigureOut">
               <a:rPr lang="en-US" smtClean="0"/>
-              <a:t>9/29/2022</a:t>
+              <a:t>9/30/2022</a:t>
             </a:fld>
             <a:endParaRPr lang="en-US"/>
           </a:p>
@@ -2401,7 +2532,7 @@
           <a:p>
             <a:fld id="{257A1F3F-CCDE-46B3-96FB-3C637929CC5F}" type="datetimeFigureOut">
               <a:rPr lang="en-US" smtClean="0"/>
-              <a:t>9/29/2022</a:t>
+              <a:t>9/30/2022</a:t>
             </a:fld>
             <a:endParaRPr lang="en-US"/>
           </a:p>
@@ -2676,7 +2807,7 @@
           <a:p>
             <a:fld id="{257A1F3F-CCDE-46B3-96FB-3C637929CC5F}" type="datetimeFigureOut">
               <a:rPr lang="en-US" smtClean="0"/>
-              <a:t>9/29/2022</a:t>
+              <a:t>9/30/2022</a:t>
             </a:fld>
             <a:endParaRPr lang="en-US"/>
           </a:p>
@@ -2941,7 +3072,7 @@
           <a:p>
             <a:fld id="{257A1F3F-CCDE-46B3-96FB-3C637929CC5F}" type="datetimeFigureOut">
               <a:rPr lang="en-US" smtClean="0"/>
-              <a:t>9/29/2022</a:t>
+              <a:t>9/30/2022</a:t>
             </a:fld>
             <a:endParaRPr lang="en-US"/>
           </a:p>
@@ -3353,7 +3484,7 @@
           <a:p>
             <a:fld id="{257A1F3F-CCDE-46B3-96FB-3C637929CC5F}" type="datetimeFigureOut">
               <a:rPr lang="en-US" smtClean="0"/>
-              <a:t>9/29/2022</a:t>
+              <a:t>9/30/2022</a:t>
             </a:fld>
             <a:endParaRPr lang="en-US"/>
           </a:p>
@@ -3494,7 +3625,7 @@
           <a:p>
             <a:fld id="{257A1F3F-CCDE-46B3-96FB-3C637929CC5F}" type="datetimeFigureOut">
               <a:rPr lang="en-US" smtClean="0"/>
-              <a:t>9/29/2022</a:t>
+              <a:t>9/30/2022</a:t>
             </a:fld>
             <a:endParaRPr lang="en-US"/>
           </a:p>
@@ -3607,7 +3738,7 @@
           <a:p>
             <a:fld id="{257A1F3F-CCDE-46B3-96FB-3C637929CC5F}" type="datetimeFigureOut">
               <a:rPr lang="en-US" smtClean="0"/>
-              <a:t>9/29/2022</a:t>
+              <a:t>9/30/2022</a:t>
             </a:fld>
             <a:endParaRPr lang="en-US"/>
           </a:p>
@@ -3918,7 +4049,7 @@
           <a:p>
             <a:fld id="{257A1F3F-CCDE-46B3-96FB-3C637929CC5F}" type="datetimeFigureOut">
               <a:rPr lang="en-US" smtClean="0"/>
-              <a:t>9/29/2022</a:t>
+              <a:t>9/30/2022</a:t>
             </a:fld>
             <a:endParaRPr lang="en-US"/>
           </a:p>
@@ -4206,7 +4337,7 @@
           <a:p>
             <a:fld id="{257A1F3F-CCDE-46B3-96FB-3C637929CC5F}" type="datetimeFigureOut">
               <a:rPr lang="en-US" smtClean="0"/>
-              <a:t>9/29/2022</a:t>
+              <a:t>9/30/2022</a:t>
             </a:fld>
             <a:endParaRPr lang="en-US"/>
           </a:p>
@@ -4447,7 +4578,7 @@
           <a:p>
             <a:fld id="{257A1F3F-CCDE-46B3-96FB-3C637929CC5F}" type="datetimeFigureOut">
               <a:rPr lang="en-US" smtClean="0"/>
-              <a:t>9/29/2022</a:t>
+              <a:t>9/30/2022</a:t>
             </a:fld>
             <a:endParaRPr lang="en-US"/>
           </a:p>
@@ -7444,7 +7575,15 @@
             </a:r>
             <a:r>
               <a:rPr lang="en-US"/>
-              <a:t> at: TBD</a:t>
+              <a:t> in 463c server at: RISCV2022/Documents/</a:t>
+            </a:r>
+            <a:r>
+              <a:rPr lang="en-US" err="1"/>
+              <a:t>fromZhiming</a:t>
+            </a:r>
+            <a:r>
+              <a:rPr lang="en-US"/>
+              <a:t>/ </a:t>
             </a:r>
           </a:p>
           <a:p>
@@ -7493,7 +7632,7 @@
         </p:blipFill>
         <p:spPr>
           <a:xfrm>
-            <a:off x="1540487" y="5216372"/>
+            <a:off x="1451996" y="5440970"/>
             <a:ext cx="6401693" cy="1095528"/>
           </a:xfrm>
           <a:prstGeom prst="rect">
@@ -7648,7 +7787,23 @@
             </a:r>
             <a:r>
               <a:rPr lang="en-US"/>
-              <a:t> code at: TBD)</a:t>
+              <a:t> code </a:t>
+            </a:r>
+            <a:r>
+              <a:rPr lang="en-US" err="1"/>
+              <a:t>histogram_FPGA_z.m</a:t>
+            </a:r>
+            <a:r>
+              <a:rPr lang="en-US"/>
+              <a:t> in 463c server at: RISCV2022/Documents/</a:t>
+            </a:r>
+            <a:r>
+              <a:rPr lang="en-US" err="1"/>
+              <a:t>fromZhiming</a:t>
+            </a:r>
+            <a:r>
+              <a:rPr lang="en-US"/>
+              <a:t>/)</a:t>
             </a:r>
           </a:p>
           <a:p>
@@ -7695,7 +7850,15 @@
             </a:r>
             <a:r>
               <a:rPr lang="en-US"/>
-              <a:t> at: TBD </a:t>
+              <a:t> in 463c server at: RISCV2022/Documents/</a:t>
+            </a:r>
+            <a:r>
+              <a:rPr lang="en-US" err="1"/>
+              <a:t>fromZhiming</a:t>
+            </a:r>
+            <a:r>
+              <a:rPr lang="en-US"/>
+              <a:t>/  </a:t>
             </a:r>
           </a:p>
           <a:p>
@@ -7748,7 +7911,7 @@
         </p:blipFill>
         <p:spPr>
           <a:xfrm>
-            <a:off x="7524490" y="1308537"/>
+            <a:off x="8699967" y="173290"/>
             <a:ext cx="2827284" cy="2120463"/>
           </a:xfrm>
           <a:prstGeom prst="rect">
@@ -7778,7 +7941,7 @@
         </p:blipFill>
         <p:spPr>
           <a:xfrm>
-            <a:off x="8506332" y="3875271"/>
+            <a:off x="7916396" y="4564247"/>
             <a:ext cx="2197213" cy="1378021"/>
           </a:xfrm>
           <a:prstGeom prst="rect">
@@ -8165,7 +8328,15 @@
             </a:r>
             <a:r>
               <a:rPr lang="en-US"/>
-              <a:t> covert channel, the source code SpecV1_FDiv_withCond_V1.c can be found at: TBD</a:t>
+              <a:t> covert channel, the source code SpecV1_FDiv_withCond_V1.c can be found in 463c server at: RISCV2022/Documents/</a:t>
+            </a:r>
+            <a:r>
+              <a:rPr lang="en-US" err="1"/>
+              <a:t>fromZhiming</a:t>
+            </a:r>
+            <a:r>
+              <a:rPr lang="en-US"/>
+              <a:t>/ </a:t>
             </a:r>
           </a:p>
           <a:p>
@@ -8202,7 +8373,7 @@
         </p:blipFill>
         <p:spPr>
           <a:xfrm>
-            <a:off x="4018361" y="3429000"/>
+            <a:off x="4018361" y="3881285"/>
             <a:ext cx="4155278" cy="2236024"/>
           </a:xfrm>
           <a:prstGeom prst="rect">
@@ -8351,7 +8522,15 @@
             </a:r>
             <a:r>
               <a:rPr lang="en-US"/>
-              <a:t> V4 code SpectreV4_06292022.c (not complete) is in: TBD</a:t>
+              <a:t> V4 code SpectreV4_06292022.c (not complete) is in 463c server at: RISCV2022/Documents/</a:t>
+            </a:r>
+            <a:r>
+              <a:rPr lang="en-US" err="1"/>
+              <a:t>fromZhiming</a:t>
+            </a:r>
+            <a:r>
+              <a:rPr lang="en-US"/>
+              <a:t>/ </a:t>
             </a:r>
           </a:p>
         </p:txBody>
@@ -8432,7 +8611,9 @@
         </p:nvSpPr>
         <p:spPr/>
         <p:txBody>
-          <a:bodyPr/>
+          <a:bodyPr>
+            <a:normAutofit lnSpcReduction="10000"/>
+          </a:bodyPr>
           <a:lstStyle/>
           <a:p>
             <a:r>
@@ -8499,7 +8680,23 @@
             <a:pPr lvl="1"/>
             <a:r>
               <a:rPr lang="en-US"/>
-              <a:t>Find the BOOM core with this improvement at: TBD</a:t>
+              <a:t>Find the BOOM core with this improvement in 463c server at: RISCV2022/Documents/</a:t>
+            </a:r>
+            <a:r>
+              <a:rPr lang="en-US" err="1"/>
+              <a:t>boomCores</a:t>
+            </a:r>
+            <a:r>
+              <a:rPr lang="en-US"/>
+              <a:t>/</a:t>
+            </a:r>
+            <a:r>
+              <a:rPr lang="en-US" err="1"/>
+              <a:t>boom_wLoadRestriction</a:t>
+            </a:r>
+            <a:r>
+              <a:rPr lang="en-US"/>
+              <a:t>/</a:t>
             </a:r>
           </a:p>
         </p:txBody>
@@ -8526,8 +8723,8 @@
         </p:blipFill>
         <p:spPr>
           <a:xfrm>
-            <a:off x="8155527" y="5194168"/>
-            <a:ext cx="3475588" cy="1515948"/>
+            <a:off x="9307486" y="5595067"/>
+            <a:ext cx="2668204" cy="1163791"/>
           </a:xfrm>
           <a:prstGeom prst="rect">
             <a:avLst/>
@@ -8786,7 +8983,9 @@
         </p:nvSpPr>
         <p:spPr/>
         <p:txBody>
-          <a:bodyPr/>
+          <a:bodyPr>
+            <a:normAutofit lnSpcReduction="10000"/>
+          </a:bodyPr>
           <a:lstStyle/>
           <a:p>
             <a:r>
@@ -8850,7 +9049,23 @@
           <a:p>
             <a:r>
               <a:rPr lang="en-US"/>
-              <a:t>Find the BOOM core with this improvement at: TBD </a:t>
+              <a:t>Find the BOOM core with this improvement at: RISCV2022/Documents/</a:t>
+            </a:r>
+            <a:r>
+              <a:rPr lang="en-US" err="1"/>
+              <a:t>boomCores</a:t>
+            </a:r>
+            <a:r>
+              <a:rPr lang="en-US"/>
+              <a:t>/</a:t>
+            </a:r>
+            <a:r>
+              <a:rPr lang="en-US" err="1"/>
+              <a:t>boom_newUntaint</a:t>
+            </a:r>
+            <a:r>
+              <a:rPr lang="en-US"/>
+              <a:t>/ </a:t>
             </a:r>
           </a:p>
         </p:txBody>
@@ -8877,7 +9092,7 @@
         </p:blipFill>
         <p:spPr>
           <a:xfrm>
-            <a:off x="3624673" y="3902697"/>
+            <a:off x="3624673" y="3804375"/>
             <a:ext cx="2688747" cy="1292131"/>
           </a:xfrm>
           <a:prstGeom prst="rect">
@@ -8907,7 +9122,7 @@
         </p:blipFill>
         <p:spPr>
           <a:xfrm>
-            <a:off x="6784761" y="3902697"/>
+            <a:off x="6784761" y="3804375"/>
             <a:ext cx="4298053" cy="1371719"/>
           </a:xfrm>
           <a:prstGeom prst="rect">
@@ -9273,7 +9488,23 @@
           <a:p>
             <a:r>
               <a:rPr lang="en-US"/>
-              <a:t>The incomplete source code is in: TBD</a:t>
+              <a:t>The incomplete source code is in: RISCV2022/Documents/</a:t>
+            </a:r>
+            <a:r>
+              <a:rPr lang="en-US" err="1"/>
+              <a:t>boomCores</a:t>
+            </a:r>
+            <a:r>
+              <a:rPr lang="en-US"/>
+              <a:t>/</a:t>
+            </a:r>
+            <a:r>
+              <a:rPr lang="en-US" err="1"/>
+              <a:t>boom_FDivCountermeasure</a:t>
+            </a:r>
+            <a:r>
+              <a:rPr lang="en-US"/>
+              <a:t>/</a:t>
             </a:r>
           </a:p>
           <a:p>
